--- a/boltdb源码解析.pptx
+++ b/boltdb源码解析.pptx
@@ -5,25 +5,27 @@
     <p:sldMasterId id="2147483648" r:id="rId1"/>
   </p:sldMasterIdLst>
   <p:notesMasterIdLst>
-    <p:notesMasterId r:id="rId6"/>
+    <p:notesMasterId r:id="rId8"/>
   </p:notesMasterIdLst>
   <p:sldIdLst>
     <p:sldId id="257" r:id="rId3"/>
     <p:sldId id="321" r:id="rId4"/>
-    <p:sldId id="310" r:id="rId5"/>
-    <p:sldId id="258" r:id="rId7"/>
-    <p:sldId id="287" r:id="rId8"/>
-    <p:sldId id="311" r:id="rId9"/>
-    <p:sldId id="319" r:id="rId10"/>
-    <p:sldId id="312" r:id="rId11"/>
-    <p:sldId id="313" r:id="rId12"/>
-    <p:sldId id="314" r:id="rId13"/>
-    <p:sldId id="320" r:id="rId14"/>
-    <p:sldId id="315" r:id="rId15"/>
-    <p:sldId id="316" r:id="rId16"/>
-    <p:sldId id="317" r:id="rId17"/>
-    <p:sldId id="318" r:id="rId18"/>
-    <p:sldId id="322" r:id="rId19"/>
+    <p:sldId id="336" r:id="rId5"/>
+    <p:sldId id="337" r:id="rId6"/>
+    <p:sldId id="310" r:id="rId7"/>
+    <p:sldId id="258" r:id="rId9"/>
+    <p:sldId id="287" r:id="rId10"/>
+    <p:sldId id="311" r:id="rId11"/>
+    <p:sldId id="319" r:id="rId12"/>
+    <p:sldId id="312" r:id="rId13"/>
+    <p:sldId id="313" r:id="rId14"/>
+    <p:sldId id="314" r:id="rId15"/>
+    <p:sldId id="320" r:id="rId16"/>
+    <p:sldId id="315" r:id="rId17"/>
+    <p:sldId id="316" r:id="rId18"/>
+    <p:sldId id="317" r:id="rId19"/>
+    <p:sldId id="318" r:id="rId20"/>
+    <p:sldId id="322" r:id="rId21"/>
   </p:sldIdLst>
   <p:sldSz cx="12192000" cy="6858000"/>
   <p:notesSz cx="7103745" cy="10234295"/>
@@ -128,21 +130,23 @@
         <p14:section name="默认节" id="{34b9afa3-c6f4-48c5-b8db-7acede827ec5}">
           <p14:sldIdLst>
             <p14:sldId id="257"/>
+            <p14:sldId id="310"/>
+            <p14:sldId id="258"/>
             <p14:sldId id="287"/>
+            <p14:sldId id="311"/>
+            <p14:sldId id="319"/>
             <p14:sldId id="312"/>
             <p14:sldId id="313"/>
             <p14:sldId id="314"/>
-            <p14:sldId id="320"/>
-            <p14:sldId id="315"/>
             <p14:sldId id="316"/>
             <p14:sldId id="318"/>
             <p14:sldId id="322"/>
+            <p14:sldId id="317"/>
+            <p14:sldId id="320"/>
+            <p14:sldId id="315"/>
             <p14:sldId id="321"/>
-            <p14:sldId id="310"/>
-            <p14:sldId id="258"/>
-            <p14:sldId id="317"/>
-            <p14:sldId id="319"/>
-            <p14:sldId id="311"/>
+            <p14:sldId id="336"/>
+            <p14:sldId id="337"/>
           </p14:sldIdLst>
         </p14:section>
       </p14:sectionLst>
@@ -3166,6 +3170,753 @@
         <p:spPr>
           <a:xfrm>
             <a:off x="245110" y="182880"/>
+            <a:ext cx="5077460" cy="521970"/>
+          </a:xfrm>
+          <a:prstGeom prst="rect">
+            <a:avLst/>
+          </a:prstGeom>
+          <a:noFill/>
+        </p:spPr>
+        <p:txBody>
+          <a:bodyPr wrap="square" rtlCol="0">
+            <a:spAutoFit/>
+          </a:bodyPr>
+          <a:p>
+            <a:r>
+              <a:rPr lang="en-US" altLang="zh-CN" sz="2800">
+                <a:latin typeface="苹方-简" panose="020B0400000000000000" charset="-122"/>
+                <a:ea typeface="苹方-简" panose="020B0400000000000000" charset="-122"/>
+              </a:rPr>
+              <a:t>Bucket</a:t>
+            </a:r>
+            <a:r>
+              <a:rPr lang="zh-CN" altLang="en-US" sz="2800">
+                <a:latin typeface="苹方-简" panose="020B0400000000000000" charset="-122"/>
+                <a:ea typeface="苹方-简" panose="020B0400000000000000" charset="-122"/>
+              </a:rPr>
+              <a:t>数据结构：</a:t>
+            </a:r>
+            <a:endParaRPr lang="zh-CN" altLang="en-US" sz="2800">
+              <a:latin typeface="苹方-简" panose="020B0400000000000000" charset="-122"/>
+              <a:ea typeface="苹方-简" panose="020B0400000000000000" charset="-122"/>
+            </a:endParaRPr>
+          </a:p>
+        </p:txBody>
+      </p:sp>
+      <p:sp>
+        <p:nvSpPr>
+          <p:cNvPr id="4" name="文本框 3"/>
+          <p:cNvSpPr txBox="1"/>
+          <p:nvPr/>
+        </p:nvSpPr>
+        <p:spPr>
+          <a:xfrm>
+            <a:off x="245110" y="994410"/>
+            <a:ext cx="11565255" cy="3415030"/>
+          </a:xfrm>
+          <a:prstGeom prst="rect">
+            <a:avLst/>
+          </a:prstGeom>
+          <a:noFill/>
+        </p:spPr>
+        <p:txBody>
+          <a:bodyPr wrap="square" rtlCol="0">
+            <a:spAutoFit/>
+          </a:bodyPr>
+          <a:p>
+            <a:pPr marL="285750" indent="-285750">
+              <a:buFont typeface="Arial" panose="020B0604020202090204" pitchFamily="34" charset="0"/>
+              <a:buChar char="•"/>
+            </a:pPr>
+            <a:r>
+              <a:rPr lang="zh-CN" altLang="en-US">
+                <a:latin typeface="苹方-简" panose="020B0400000000000000" charset="-122"/>
+                <a:ea typeface="苹方-简" panose="020B0400000000000000" charset="-122"/>
+              </a:rPr>
+              <a:t>图中展示了</a:t>
+            </a:r>
+            <a:r>
+              <a:rPr lang="en-US" altLang="zh-CN">
+                <a:latin typeface="苹方-简" panose="020B0400000000000000" charset="-122"/>
+                <a:ea typeface="苹方-简" panose="020B0400000000000000" charset="-122"/>
+              </a:rPr>
+              <a:t>5</a:t>
+            </a:r>
+            <a:r>
+              <a:rPr lang="zh-CN" altLang="en-US">
+                <a:latin typeface="苹方-简" panose="020B0400000000000000" charset="-122"/>
+                <a:ea typeface="苹方-简" panose="020B0400000000000000" charset="-122"/>
+              </a:rPr>
+              <a:t>个</a:t>
+            </a:r>
+            <a:r>
+              <a:rPr lang="en-US" altLang="zh-CN">
+                <a:latin typeface="苹方-简" panose="020B0400000000000000" charset="-122"/>
+                <a:ea typeface="苹方-简" panose="020B0400000000000000" charset="-122"/>
+              </a:rPr>
+              <a:t>Bucket</a:t>
+            </a:r>
+            <a:r>
+              <a:rPr lang="zh-CN" altLang="en-US">
+                <a:latin typeface="苹方-简" panose="020B0400000000000000" charset="-122"/>
+                <a:ea typeface="苹方-简" panose="020B0400000000000000" charset="-122"/>
+              </a:rPr>
+              <a:t>：</a:t>
+            </a:r>
+            <a:r>
+              <a:rPr lang="en-US" altLang="zh-CN">
+                <a:latin typeface="苹方-简" panose="020B0400000000000000" charset="-122"/>
+                <a:ea typeface="苹方-简" panose="020B0400000000000000" charset="-122"/>
+              </a:rPr>
+              <a:t>root Bucket, BucketA, BucketB, BucketAA</a:t>
+            </a:r>
+            <a:r>
+              <a:rPr lang="zh-CN" altLang="en-US">
+                <a:latin typeface="苹方-简" panose="020B0400000000000000" charset="-122"/>
+                <a:ea typeface="苹方-简" panose="020B0400000000000000" charset="-122"/>
+              </a:rPr>
+              <a:t>以及</a:t>
+            </a:r>
+            <a:r>
+              <a:rPr lang="en-US" altLang="zh-CN">
+                <a:latin typeface="苹方-简" panose="020B0400000000000000" charset="-122"/>
+                <a:ea typeface="苹方-简" panose="020B0400000000000000" charset="-122"/>
+              </a:rPr>
+              <a:t>BucketBB</a:t>
+            </a:r>
+            <a:r>
+              <a:rPr lang="zh-CN" altLang="en-US">
+                <a:latin typeface="苹方-简" panose="020B0400000000000000" charset="-122"/>
+                <a:ea typeface="苹方-简" panose="020B0400000000000000" charset="-122"/>
+              </a:rPr>
+              <a:t>；</a:t>
+            </a:r>
+            <a:endParaRPr lang="zh-CN" altLang="en-US">
+              <a:latin typeface="苹方-简" panose="020B0400000000000000" charset="-122"/>
+              <a:ea typeface="苹方-简" panose="020B0400000000000000" charset="-122"/>
+            </a:endParaRPr>
+          </a:p>
+          <a:p>
+            <a:pPr marL="285750" indent="-285750">
+              <a:buFont typeface="Arial" panose="020B0604020202090204" pitchFamily="34" charset="0"/>
+              <a:buChar char="•"/>
+            </a:pPr>
+            <a:r>
+              <a:rPr lang="en-US" altLang="zh-CN">
+                <a:latin typeface="苹方-简" panose="020B0400000000000000" charset="-122"/>
+                <a:ea typeface="苹方-简" panose="020B0400000000000000" charset="-122"/>
+              </a:rPr>
+              <a:t>BucketA</a:t>
+            </a:r>
+            <a:r>
+              <a:rPr lang="zh-CN" altLang="en-US">
+                <a:latin typeface="苹方-简" panose="020B0400000000000000" charset="-122"/>
+                <a:ea typeface="苹方-简" panose="020B0400000000000000" charset="-122"/>
+              </a:rPr>
+              <a:t>和</a:t>
+            </a:r>
+            <a:r>
+              <a:rPr lang="en-US" altLang="zh-CN">
+                <a:latin typeface="苹方-简" panose="020B0400000000000000" charset="-122"/>
+                <a:ea typeface="苹方-简" panose="020B0400000000000000" charset="-122"/>
+              </a:rPr>
+              <a:t>BucketB</a:t>
+            </a:r>
+            <a:r>
+              <a:rPr lang="zh-CN" altLang="en-US">
+                <a:latin typeface="苹方-简" panose="020B0400000000000000" charset="-122"/>
+                <a:ea typeface="苹方-简" panose="020B0400000000000000" charset="-122"/>
+              </a:rPr>
+              <a:t>都是</a:t>
+            </a:r>
+            <a:r>
+              <a:rPr lang="en-US" altLang="zh-CN">
+                <a:latin typeface="苹方-简" panose="020B0400000000000000" charset="-122"/>
+                <a:ea typeface="苹方-简" panose="020B0400000000000000" charset="-122"/>
+              </a:rPr>
+              <a:t>root Bucket</a:t>
+            </a:r>
+            <a:r>
+              <a:rPr lang="zh-CN" altLang="en-US">
+                <a:latin typeface="苹方-简" panose="020B0400000000000000" charset="-122"/>
+                <a:ea typeface="苹方-简" panose="020B0400000000000000" charset="-122"/>
+              </a:rPr>
+              <a:t>的子</a:t>
+            </a:r>
+            <a:r>
+              <a:rPr lang="en-US" altLang="zh-CN">
+                <a:latin typeface="苹方-简" panose="020B0400000000000000" charset="-122"/>
+                <a:ea typeface="苹方-简" panose="020B0400000000000000" charset="-122"/>
+              </a:rPr>
+              <a:t>Bucket</a:t>
+            </a:r>
+            <a:r>
+              <a:rPr lang="zh-CN" altLang="en-US">
+                <a:latin typeface="苹方-简" panose="020B0400000000000000" charset="-122"/>
+                <a:ea typeface="苹方-简" panose="020B0400000000000000" charset="-122"/>
+              </a:rPr>
+              <a:t>，它们嵌套在</a:t>
+            </a:r>
+            <a:r>
+              <a:rPr lang="en-US" altLang="zh-CN">
+                <a:latin typeface="苹方-简" panose="020B0400000000000000" charset="-122"/>
+                <a:ea typeface="苹方-简" panose="020B0400000000000000" charset="-122"/>
+              </a:rPr>
+              <a:t>root Bucket</a:t>
+            </a:r>
+            <a:r>
+              <a:rPr lang="zh-CN" altLang="en-US">
+                <a:latin typeface="苹方-简" panose="020B0400000000000000" charset="-122"/>
+                <a:ea typeface="苹方-简" panose="020B0400000000000000" charset="-122"/>
+              </a:rPr>
+              <a:t>中，</a:t>
+            </a:r>
+            <a:r>
+              <a:rPr lang="en-US" altLang="zh-CN">
+                <a:latin typeface="苹方-简" panose="020B0400000000000000" charset="-122"/>
+                <a:ea typeface="苹方-简" panose="020B0400000000000000" charset="-122"/>
+              </a:rPr>
+              <a:t>BucketAA</a:t>
+            </a:r>
+            <a:r>
+              <a:rPr lang="zh-CN" altLang="en-US">
+                <a:latin typeface="苹方-简" panose="020B0400000000000000" charset="-122"/>
+                <a:ea typeface="苹方-简" panose="020B0400000000000000" charset="-122"/>
+              </a:rPr>
+              <a:t>是</a:t>
+            </a:r>
+            <a:r>
+              <a:rPr lang="en-US" altLang="zh-CN">
+                <a:latin typeface="苹方-简" panose="020B0400000000000000" charset="-122"/>
+                <a:ea typeface="苹方-简" panose="020B0400000000000000" charset="-122"/>
+              </a:rPr>
+              <a:t>BucketA</a:t>
+            </a:r>
+            <a:r>
+              <a:rPr lang="zh-CN" altLang="en-US">
+                <a:latin typeface="苹方-简" panose="020B0400000000000000" charset="-122"/>
+                <a:ea typeface="苹方-简" panose="020B0400000000000000" charset="-122"/>
+              </a:rPr>
+              <a:t>的嵌套子</a:t>
+            </a:r>
+            <a:r>
+              <a:rPr lang="en-US" altLang="zh-CN">
+                <a:latin typeface="苹方-简" panose="020B0400000000000000" charset="-122"/>
+                <a:ea typeface="苹方-简" panose="020B0400000000000000" charset="-122"/>
+              </a:rPr>
+              <a:t>Bucket</a:t>
+            </a:r>
+            <a:r>
+              <a:rPr lang="zh-CN" altLang="en-US">
+                <a:latin typeface="苹方-简" panose="020B0400000000000000" charset="-122"/>
+                <a:ea typeface="苹方-简" panose="020B0400000000000000" charset="-122"/>
+              </a:rPr>
+              <a:t>，</a:t>
+            </a:r>
+            <a:r>
+              <a:rPr lang="en-US" altLang="zh-CN">
+                <a:latin typeface="苹方-简" panose="020B0400000000000000" charset="-122"/>
+                <a:ea typeface="苹方-简" panose="020B0400000000000000" charset="-122"/>
+              </a:rPr>
+              <a:t>BucketBB</a:t>
+            </a:r>
+            <a:r>
+              <a:rPr lang="zh-CN" altLang="en-US">
+                <a:latin typeface="苹方-简" panose="020B0400000000000000" charset="-122"/>
+                <a:ea typeface="苹方-简" panose="020B0400000000000000" charset="-122"/>
+              </a:rPr>
+              <a:t>是</a:t>
+            </a:r>
+            <a:r>
+              <a:rPr lang="en-US" altLang="zh-CN">
+                <a:latin typeface="苹方-简" panose="020B0400000000000000" charset="-122"/>
+                <a:ea typeface="苹方-简" panose="020B0400000000000000" charset="-122"/>
+              </a:rPr>
+              <a:t>BucketB</a:t>
+            </a:r>
+            <a:r>
+              <a:rPr lang="zh-CN" altLang="en-US">
+                <a:latin typeface="苹方-简" panose="020B0400000000000000" charset="-122"/>
+                <a:ea typeface="苹方-简" panose="020B0400000000000000" charset="-122"/>
+              </a:rPr>
+              <a:t>的嵌套子</a:t>
+            </a:r>
+            <a:r>
+              <a:rPr lang="en-US" altLang="zh-CN">
+                <a:latin typeface="苹方-简" panose="020B0400000000000000" charset="-122"/>
+                <a:ea typeface="苹方-简" panose="020B0400000000000000" charset="-122"/>
+              </a:rPr>
+              <a:t>Bucket</a:t>
+            </a:r>
+            <a:r>
+              <a:rPr lang="zh-CN" altLang="en-US">
+                <a:latin typeface="苹方-简" panose="020B0400000000000000" charset="-122"/>
+                <a:ea typeface="苹方-简" panose="020B0400000000000000" charset="-122"/>
+              </a:rPr>
+              <a:t>，而且</a:t>
+            </a:r>
+            <a:r>
+              <a:rPr lang="en-US" altLang="zh-CN">
+                <a:latin typeface="苹方-简" panose="020B0400000000000000" charset="-122"/>
+                <a:ea typeface="苹方-简" panose="020B0400000000000000" charset="-122"/>
+              </a:rPr>
+              <a:t>BucketBB</a:t>
+            </a:r>
+            <a:r>
+              <a:rPr lang="zh-CN" altLang="en-US">
+                <a:latin typeface="苹方-简" panose="020B0400000000000000" charset="-122"/>
+                <a:ea typeface="苹方-简" panose="020B0400000000000000" charset="-122"/>
+              </a:rPr>
+              <a:t>是</a:t>
+            </a:r>
+            <a:r>
+              <a:rPr lang="en-US" altLang="zh-CN">
+                <a:latin typeface="苹方-简" panose="020B0400000000000000" charset="-122"/>
+                <a:ea typeface="苹方-简" panose="020B0400000000000000" charset="-122"/>
+              </a:rPr>
+              <a:t>BucketB</a:t>
+            </a:r>
+            <a:r>
+              <a:rPr lang="zh-CN" altLang="en-US">
+                <a:latin typeface="苹方-简" panose="020B0400000000000000" charset="-122"/>
+                <a:ea typeface="苹方-简" panose="020B0400000000000000" charset="-122"/>
+              </a:rPr>
+              <a:t>的嵌套子</a:t>
+            </a:r>
+            <a:r>
+              <a:rPr lang="en-US" altLang="zh-CN">
+                <a:latin typeface="苹方-简" panose="020B0400000000000000" charset="-122"/>
+                <a:ea typeface="苹方-简" panose="020B0400000000000000" charset="-122"/>
+              </a:rPr>
+              <a:t>Bucket</a:t>
+            </a:r>
+            <a:r>
+              <a:rPr lang="zh-CN" altLang="en-US">
+                <a:latin typeface="苹方-简" panose="020B0400000000000000" charset="-122"/>
+                <a:ea typeface="苹方-简" panose="020B0400000000000000" charset="-122"/>
+              </a:rPr>
+              <a:t>；</a:t>
+            </a:r>
+            <a:endParaRPr lang="zh-CN" altLang="en-US">
+              <a:latin typeface="苹方-简" panose="020B0400000000000000" charset="-122"/>
+              <a:ea typeface="苹方-简" panose="020B0400000000000000" charset="-122"/>
+            </a:endParaRPr>
+          </a:p>
+          <a:p>
+            <a:pPr marL="285750" indent="-285750">
+              <a:buFont typeface="Arial" panose="020B0604020202090204" pitchFamily="34" charset="0"/>
+              <a:buChar char="•"/>
+            </a:pPr>
+            <a:r>
+              <a:rPr lang="zh-CN" altLang="en-US">
+                <a:latin typeface="苹方-简" panose="020B0400000000000000" charset="-122"/>
+                <a:ea typeface="苹方-简" panose="020B0400000000000000" charset="-122"/>
+              </a:rPr>
+              <a:t>嵌套</a:t>
+            </a:r>
+            <a:r>
+              <a:rPr lang="en-US" altLang="zh-CN">
+                <a:latin typeface="苹方-简" panose="020B0400000000000000" charset="-122"/>
+                <a:ea typeface="苹方-简" panose="020B0400000000000000" charset="-122"/>
+              </a:rPr>
+              <a:t>Bucket</a:t>
+            </a:r>
+            <a:r>
+              <a:rPr lang="zh-CN" altLang="en-US">
+                <a:latin typeface="苹方-简" panose="020B0400000000000000" charset="-122"/>
+                <a:ea typeface="苹方-简" panose="020B0400000000000000" charset="-122"/>
+              </a:rPr>
+              <a:t>形成父子关系，从而所有</a:t>
+            </a:r>
+            <a:r>
+              <a:rPr lang="en-US" altLang="zh-CN">
+                <a:latin typeface="苹方-简" panose="020B0400000000000000" charset="-122"/>
+                <a:ea typeface="苹方-简" panose="020B0400000000000000" charset="-122"/>
+              </a:rPr>
+              <a:t>Bucket</a:t>
+            </a:r>
+            <a:r>
+              <a:rPr lang="zh-CN" altLang="en-US">
+                <a:latin typeface="苹方-简" panose="020B0400000000000000" charset="-122"/>
+                <a:ea typeface="苹方-简" panose="020B0400000000000000" charset="-122"/>
+              </a:rPr>
+              <a:t>形成树结构，通过根</a:t>
+            </a:r>
+            <a:r>
+              <a:rPr lang="en-US" altLang="zh-CN">
+                <a:latin typeface="苹方-简" panose="020B0400000000000000" charset="-122"/>
+                <a:ea typeface="苹方-简" panose="020B0400000000000000" charset="-122"/>
+              </a:rPr>
+              <a:t>Bucket</a:t>
+            </a:r>
+            <a:r>
+              <a:rPr lang="zh-CN" altLang="en-US">
+                <a:latin typeface="苹方-简" panose="020B0400000000000000" charset="-122"/>
+                <a:ea typeface="苹方-简" panose="020B0400000000000000" charset="-122"/>
+              </a:rPr>
+              <a:t>可以遍历所有子</a:t>
+            </a:r>
+            <a:r>
+              <a:rPr lang="en-US" altLang="zh-CN">
+                <a:latin typeface="苹方-简" panose="020B0400000000000000" charset="-122"/>
+                <a:ea typeface="苹方-简" panose="020B0400000000000000" charset="-122"/>
+              </a:rPr>
+              <a:t>Bucket</a:t>
+            </a:r>
+            <a:r>
+              <a:rPr lang="zh-CN" altLang="en-US">
+                <a:latin typeface="苹方-简" panose="020B0400000000000000" charset="-122"/>
+                <a:ea typeface="苹方-简" panose="020B0400000000000000" charset="-122"/>
+              </a:rPr>
+              <a:t>，但是请注意，</a:t>
+            </a:r>
+            <a:r>
+              <a:rPr lang="en-US" altLang="zh-CN">
+                <a:latin typeface="苹方-简" panose="020B0400000000000000" charset="-122"/>
+                <a:ea typeface="苹方-简" panose="020B0400000000000000" charset="-122"/>
+              </a:rPr>
+              <a:t>Bucket</a:t>
+            </a:r>
+            <a:r>
+              <a:rPr lang="zh-CN" altLang="en-US">
+                <a:latin typeface="苹方-简" panose="020B0400000000000000" charset="-122"/>
+                <a:ea typeface="苹方-简" panose="020B0400000000000000" charset="-122"/>
+              </a:rPr>
+              <a:t>之间的树结构并不是</a:t>
+            </a:r>
+            <a:r>
+              <a:rPr lang="en-US" altLang="zh-CN">
+                <a:latin typeface="苹方-简" panose="020B0400000000000000" charset="-122"/>
+                <a:ea typeface="苹方-简" panose="020B0400000000000000" charset="-122"/>
+              </a:rPr>
+              <a:t>B+</a:t>
+            </a:r>
+            <a:r>
+              <a:rPr lang="zh-CN" altLang="en-US">
+                <a:latin typeface="苹方-简" panose="020B0400000000000000" charset="-122"/>
+                <a:ea typeface="苹方-简" panose="020B0400000000000000" charset="-122"/>
+              </a:rPr>
+              <a:t>树结构，而是一个逻辑树结构，如</a:t>
+            </a:r>
+            <a:r>
+              <a:rPr lang="en-US" altLang="zh-CN">
+                <a:latin typeface="苹方-简" panose="020B0400000000000000" charset="-122"/>
+                <a:ea typeface="苹方-简" panose="020B0400000000000000" charset="-122"/>
+              </a:rPr>
+              <a:t>BucketBB</a:t>
+            </a:r>
+            <a:r>
+              <a:rPr lang="zh-CN" altLang="en-US">
+                <a:latin typeface="苹方-简" panose="020B0400000000000000" charset="-122"/>
+                <a:ea typeface="苹方-简" panose="020B0400000000000000" charset="-122"/>
+              </a:rPr>
+              <a:t>是</a:t>
+            </a:r>
+            <a:r>
+              <a:rPr lang="en-US" altLang="zh-CN">
+                <a:latin typeface="苹方-简" panose="020B0400000000000000" charset="-122"/>
+                <a:ea typeface="苹方-简" panose="020B0400000000000000" charset="-122"/>
+              </a:rPr>
+              <a:t>BucketB</a:t>
+            </a:r>
+            <a:r>
+              <a:rPr lang="zh-CN" altLang="en-US">
+                <a:latin typeface="苹方-简" panose="020B0400000000000000" charset="-122"/>
+                <a:ea typeface="苹方-简" panose="020B0400000000000000" charset="-122"/>
+              </a:rPr>
+              <a:t>的子</a:t>
+            </a:r>
+            <a:r>
+              <a:rPr lang="en-US" altLang="zh-CN">
+                <a:latin typeface="苹方-简" panose="020B0400000000000000" charset="-122"/>
+                <a:ea typeface="苹方-简" panose="020B0400000000000000" charset="-122"/>
+              </a:rPr>
+              <a:t>Bucket</a:t>
+            </a:r>
+            <a:r>
+              <a:rPr lang="zh-CN" altLang="en-US">
+                <a:latin typeface="苹方-简" panose="020B0400000000000000" charset="-122"/>
+                <a:ea typeface="苹方-简" panose="020B0400000000000000" charset="-122"/>
+              </a:rPr>
+              <a:t>，但并不是说</a:t>
+            </a:r>
+            <a:r>
+              <a:rPr lang="en-US" altLang="zh-CN">
+                <a:latin typeface="苹方-简" panose="020B0400000000000000" charset="-122"/>
+                <a:ea typeface="苹方-简" panose="020B0400000000000000" charset="-122"/>
+              </a:rPr>
+              <a:t>BucketBB</a:t>
+            </a:r>
+            <a:r>
+              <a:rPr lang="zh-CN" altLang="en-US">
+                <a:latin typeface="苹方-简" panose="020B0400000000000000" charset="-122"/>
+                <a:ea typeface="苹方-简" panose="020B0400000000000000" charset="-122"/>
+              </a:rPr>
+              <a:t>所在的节点就是</a:t>
+            </a:r>
+            <a:r>
+              <a:rPr lang="en-US" altLang="zh-CN">
+                <a:latin typeface="苹方-简" panose="020B0400000000000000" charset="-122"/>
+                <a:ea typeface="苹方-简" panose="020B0400000000000000" charset="-122"/>
+              </a:rPr>
+              <a:t>BucketB</a:t>
+            </a:r>
+            <a:r>
+              <a:rPr lang="zh-CN" altLang="en-US">
+                <a:latin typeface="苹方-简" panose="020B0400000000000000" charset="-122"/>
+                <a:ea typeface="苹方-简" panose="020B0400000000000000" charset="-122"/>
+              </a:rPr>
+              <a:t>所在节点的子节点。</a:t>
+            </a:r>
+            <a:endParaRPr lang="zh-CN" altLang="en-US">
+              <a:latin typeface="苹方-简" panose="020B0400000000000000" charset="-122"/>
+              <a:ea typeface="苹方-简" panose="020B0400000000000000" charset="-122"/>
+            </a:endParaRPr>
+          </a:p>
+          <a:p>
+            <a:pPr marL="285750" indent="-285750">
+              <a:buFont typeface="Arial" panose="020B0604020202090204" pitchFamily="34" charset="0"/>
+              <a:buChar char="•"/>
+            </a:pPr>
+            <a:r>
+              <a:rPr lang="zh-CN" altLang="en-US">
+                <a:latin typeface="苹方-简" panose="020B0400000000000000" charset="-122"/>
+                <a:ea typeface="苹方-简" panose="020B0400000000000000" charset="-122"/>
+              </a:rPr>
+              <a:t>每一个</a:t>
+            </a:r>
+            <a:r>
+              <a:rPr lang="en-US" altLang="zh-CN">
+                <a:latin typeface="苹方-简" panose="020B0400000000000000" charset="-122"/>
+                <a:ea typeface="苹方-简" panose="020B0400000000000000" charset="-122"/>
+              </a:rPr>
+              <a:t>Bucket</a:t>
+            </a:r>
+            <a:r>
+              <a:rPr lang="zh-CN" altLang="en-US">
+                <a:latin typeface="苹方-简" panose="020B0400000000000000" charset="-122"/>
+                <a:ea typeface="苹方-简" panose="020B0400000000000000" charset="-122"/>
+              </a:rPr>
+              <a:t>都对应一颗</a:t>
+            </a:r>
+            <a:r>
+              <a:rPr lang="en-US" altLang="zh-CN">
+                <a:latin typeface="苹方-简" panose="020B0400000000000000" charset="-122"/>
+                <a:ea typeface="苹方-简" panose="020B0400000000000000" charset="-122"/>
+              </a:rPr>
+              <a:t>B+</a:t>
+            </a:r>
+            <a:r>
+              <a:rPr lang="zh-CN" altLang="en-US">
+                <a:latin typeface="苹方-简" panose="020B0400000000000000" charset="-122"/>
+                <a:ea typeface="苹方-简" panose="020B0400000000000000" charset="-122"/>
+              </a:rPr>
+              <a:t>树，在B+Tree中，一个节点中的Key的数量如果大于节点Key数量的最大值 x 填充率的话，节点会分裂(split)成两个节点，并向父节点添加一个Key和Pointer，添加后如果父节点也需要分裂的话那就进行分裂直到根节点；为了尽量减少节点分裂的情况，可以对B+Tree进行旋转(rotation)或者再平衡(rebalance)：如果一个节点中的Key的数量小于设定的节点Key数量的最小值的话，那就将其兄弟节点中的Key移动到该节点，移动后产生的空节点将被删除，直到所有节点满足Key数量大于节点Key数量最小值。</a:t>
+            </a:r>
+            <a:endParaRPr lang="zh-CN" altLang="en-US">
+              <a:latin typeface="苹方-简" panose="020B0400000000000000" charset="-122"/>
+              <a:ea typeface="苹方-简" panose="020B0400000000000000" charset="-122"/>
+            </a:endParaRPr>
+          </a:p>
+          <a:p>
+            <a:pPr marL="285750" indent="-285750">
+              <a:buFont typeface="Arial" panose="020B0604020202090204" pitchFamily="34" charset="0"/>
+              <a:buChar char="•"/>
+            </a:pPr>
+            <a:endParaRPr lang="zh-CN" altLang="en-US">
+              <a:latin typeface="苹方-简" panose="020B0400000000000000" charset="-122"/>
+              <a:ea typeface="苹方-简" panose="020B0400000000000000" charset="-122"/>
+            </a:endParaRPr>
+          </a:p>
+        </p:txBody>
+      </p:sp>
+    </p:spTree>
+  </p:cSld>
+  <p:clrMapOvr>
+    <a:masterClrMapping/>
+  </p:clrMapOvr>
+</p:sld>
+</file>
+
+<file path=ppt/slides/slide11.xml><?xml version="1.0" encoding="utf-8"?>
+<p:sld xmlns:a="http://schemas.openxmlformats.org/drawingml/2006/main" xmlns:r="http://schemas.openxmlformats.org/officeDocument/2006/relationships" xmlns:p="http://schemas.openxmlformats.org/presentationml/2006/main">
+  <p:cSld>
+    <p:spTree>
+      <p:nvGrpSpPr>
+        <p:cNvPr id="1" name=""/>
+        <p:cNvGrpSpPr/>
+        <p:nvPr/>
+      </p:nvGrpSpPr>
+      <p:grpSpPr/>
+      <p:sp>
+        <p:nvSpPr>
+          <p:cNvPr id="5" name="文本框 4"/>
+          <p:cNvSpPr txBox="1"/>
+          <p:nvPr/>
+        </p:nvSpPr>
+        <p:spPr>
+          <a:xfrm>
+            <a:off x="245110" y="182880"/>
+            <a:ext cx="5077460" cy="521970"/>
+          </a:xfrm>
+          <a:prstGeom prst="rect">
+            <a:avLst/>
+          </a:prstGeom>
+          <a:noFill/>
+        </p:spPr>
+        <p:txBody>
+          <a:bodyPr wrap="square" rtlCol="0">
+            <a:spAutoFit/>
+          </a:bodyPr>
+          <a:p>
+            <a:r>
+              <a:rPr lang="en-US" altLang="zh-CN" sz="2800">
+                <a:latin typeface="苹方-简" panose="020B0400000000000000" charset="-122"/>
+                <a:ea typeface="苹方-简" panose="020B0400000000000000" charset="-122"/>
+              </a:rPr>
+              <a:t>Bucket</a:t>
+            </a:r>
+            <a:r>
+              <a:rPr lang="zh-CN" altLang="en-US" sz="2800">
+                <a:latin typeface="苹方-简" panose="020B0400000000000000" charset="-122"/>
+                <a:ea typeface="苹方-简" panose="020B0400000000000000" charset="-122"/>
+              </a:rPr>
+              <a:t>创建过程：</a:t>
+            </a:r>
+            <a:endParaRPr lang="zh-CN" altLang="en-US" sz="2800">
+              <a:latin typeface="苹方-简" panose="020B0400000000000000" charset="-122"/>
+              <a:ea typeface="苹方-简" panose="020B0400000000000000" charset="-122"/>
+            </a:endParaRPr>
+          </a:p>
+        </p:txBody>
+      </p:sp>
+      <p:sp>
+        <p:nvSpPr>
+          <p:cNvPr id="4" name="文本框 3"/>
+          <p:cNvSpPr txBox="1"/>
+          <p:nvPr/>
+        </p:nvSpPr>
+        <p:spPr>
+          <a:xfrm>
+            <a:off x="245110" y="994410"/>
+            <a:ext cx="11565255" cy="2030095"/>
+          </a:xfrm>
+          <a:prstGeom prst="rect">
+            <a:avLst/>
+          </a:prstGeom>
+          <a:noFill/>
+        </p:spPr>
+        <p:txBody>
+          <a:bodyPr wrap="square" rtlCol="0">
+            <a:spAutoFit/>
+          </a:bodyPr>
+          <a:p>
+            <a:pPr marL="342900" indent="-342900">
+              <a:buFont typeface="Arial" panose="020B0604020202090204" pitchFamily="34" charset="0"/>
+              <a:buAutoNum type="arabicPeriod"/>
+            </a:pPr>
+            <a:r>
+              <a:rPr lang="zh-CN" altLang="en-US">
+                <a:latin typeface="苹方-简" panose="020B0400000000000000" charset="-122"/>
+                <a:ea typeface="苹方-简" panose="020B0400000000000000" charset="-122"/>
+              </a:rPr>
+              <a:t>根据Bucket的名字(key)搜索父Bucket，以确定表示Bucket的K/V对的插入位置;</a:t>
+            </a:r>
+            <a:endParaRPr lang="zh-CN" altLang="en-US">
+              <a:latin typeface="苹方-简" panose="020B0400000000000000" charset="-122"/>
+              <a:ea typeface="苹方-简" panose="020B0400000000000000" charset="-122"/>
+            </a:endParaRPr>
+          </a:p>
+          <a:p>
+            <a:pPr marL="342900" indent="-342900">
+              <a:buFont typeface="Arial" panose="020B0604020202090204" pitchFamily="34" charset="0"/>
+              <a:buAutoNum type="arabicPeriod"/>
+            </a:pPr>
+            <a:r>
+              <a:rPr lang="zh-CN" altLang="en-US">
+                <a:latin typeface="苹方-简" panose="020B0400000000000000" charset="-122"/>
+                <a:ea typeface="苹方-简" panose="020B0400000000000000" charset="-122"/>
+              </a:rPr>
+              <a:t>创建空的内置Bucket，并将它序列化成byte slice，以作为Bucket的Value;</a:t>
+            </a:r>
+            <a:endParaRPr lang="zh-CN" altLang="en-US">
+              <a:latin typeface="苹方-简" panose="020B0400000000000000" charset="-122"/>
+              <a:ea typeface="苹方-简" panose="020B0400000000000000" charset="-122"/>
+            </a:endParaRPr>
+          </a:p>
+          <a:p>
+            <a:pPr marL="342900" indent="-342900">
+              <a:buFont typeface="Arial" panose="020B0604020202090204" pitchFamily="34" charset="0"/>
+              <a:buAutoNum type="arabicPeriod"/>
+            </a:pPr>
+            <a:r>
+              <a:rPr lang="zh-CN" altLang="en-US">
+                <a:latin typeface="苹方-简" panose="020B0400000000000000" charset="-122"/>
+                <a:ea typeface="苹方-简" panose="020B0400000000000000" charset="-122"/>
+              </a:rPr>
+              <a:t>将表示Bucket的K/V对(即inode的flags为bucketLeafFlag(0x01))写入父Bucket的叶子节点;</a:t>
+            </a:r>
+            <a:endParaRPr lang="zh-CN" altLang="en-US">
+              <a:latin typeface="苹方-简" panose="020B0400000000000000" charset="-122"/>
+              <a:ea typeface="苹方-简" panose="020B0400000000000000" charset="-122"/>
+            </a:endParaRPr>
+          </a:p>
+          <a:p>
+            <a:pPr marL="342900" indent="-342900">
+              <a:buFont typeface="Arial" panose="020B0604020202090204" pitchFamily="34" charset="0"/>
+              <a:buAutoNum type="arabicPeriod"/>
+            </a:pPr>
+            <a:r>
+              <a:rPr lang="zh-CN" altLang="en-US">
+                <a:latin typeface="苹方-简" panose="020B0400000000000000" charset="-122"/>
+                <a:ea typeface="苹方-简" panose="020B0400000000000000" charset="-122"/>
+              </a:rPr>
+              <a:t>通过Bucket的Bucket(name []byte)在父Bucket中查找刚刚创建的子Bucket，在了解了Bucket通过Cursor进行查找和遍历的过程后，读者可以尝试自行分析这一过程，我们在后续文中还会介绍Bucket的Get()方法，与此类似。</a:t>
+            </a:r>
+            <a:endParaRPr lang="zh-CN" altLang="en-US">
+              <a:latin typeface="苹方-简" panose="020B0400000000000000" charset="-122"/>
+              <a:ea typeface="苹方-简" panose="020B0400000000000000" charset="-122"/>
+            </a:endParaRPr>
+          </a:p>
+          <a:p>
+            <a:pPr marL="285750" indent="-285750">
+              <a:buFont typeface="Arial" panose="020B0604020202090204" pitchFamily="34" charset="0"/>
+              <a:buChar char="•"/>
+            </a:pPr>
+            <a:endParaRPr lang="zh-CN" altLang="en-US">
+              <a:latin typeface="苹方-简" panose="020B0400000000000000" charset="-122"/>
+              <a:ea typeface="苹方-简" panose="020B0400000000000000" charset="-122"/>
+            </a:endParaRPr>
+          </a:p>
+        </p:txBody>
+      </p:sp>
+    </p:spTree>
+  </p:cSld>
+  <p:clrMapOvr>
+    <a:masterClrMapping/>
+  </p:clrMapOvr>
+</p:sld>
+</file>
+
+<file path=ppt/slides/slide12.xml><?xml version="1.0" encoding="utf-8"?>
+<p:sld xmlns:a="http://schemas.openxmlformats.org/drawingml/2006/main" xmlns:r="http://schemas.openxmlformats.org/officeDocument/2006/relationships" xmlns:p="http://schemas.openxmlformats.org/presentationml/2006/main">
+  <p:cSld>
+    <p:spTree>
+      <p:nvGrpSpPr>
+        <p:cNvPr id="1" name=""/>
+        <p:cNvGrpSpPr/>
+        <p:nvPr/>
+      </p:nvGrpSpPr>
+      <p:grpSpPr/>
+      <p:sp>
+        <p:nvSpPr>
+          <p:cNvPr id="5" name="文本框 4"/>
+          <p:cNvSpPr txBox="1"/>
+          <p:nvPr/>
+        </p:nvSpPr>
+        <p:spPr>
+          <a:xfrm>
+            <a:off x="245110" y="182880"/>
             <a:ext cx="7667625" cy="521970"/>
           </a:xfrm>
           <a:prstGeom prst="rect">
@@ -3259,7 +4010,7 @@
 </p:sld>
 </file>
 
-<file path=ppt/slides/slide11.xml><?xml version="1.0" encoding="utf-8"?>
+<file path=ppt/slides/slide13.xml><?xml version="1.0" encoding="utf-8"?>
 <p:sld xmlns:a="http://schemas.openxmlformats.org/drawingml/2006/main" xmlns:r="http://schemas.openxmlformats.org/officeDocument/2006/relationships" xmlns:p="http://schemas.openxmlformats.org/presentationml/2006/main">
   <p:cSld>
     <p:spTree>
@@ -3885,7 +4636,7 @@
 </p:sld>
 </file>
 
-<file path=ppt/slides/slide12.xml><?xml version="1.0" encoding="utf-8"?>
+<file path=ppt/slides/slide14.xml><?xml version="1.0" encoding="utf-8"?>
 <p:sld xmlns:a="http://schemas.openxmlformats.org/drawingml/2006/main" xmlns:r="http://schemas.openxmlformats.org/officeDocument/2006/relationships" xmlns:p="http://schemas.openxmlformats.org/presentationml/2006/main">
   <p:cSld>
     <p:spTree>
@@ -4395,7 +5146,7 @@
 </p:sld>
 </file>
 
-<file path=ppt/slides/slide13.xml><?xml version="1.0" encoding="utf-8"?>
+<file path=ppt/slides/slide15.xml><?xml version="1.0" encoding="utf-8"?>
 <p:sld xmlns:a="http://schemas.openxmlformats.org/drawingml/2006/main" xmlns:r="http://schemas.openxmlformats.org/officeDocument/2006/relationships" xmlns:p="http://schemas.openxmlformats.org/presentationml/2006/main">
   <p:cSld>
     <p:spTree>
@@ -4779,7 +5530,7 @@
 </p:sld>
 </file>
 
-<file path=ppt/slides/slide14.xml><?xml version="1.0" encoding="utf-8"?>
+<file path=ppt/slides/slide16.xml><?xml version="1.0" encoding="utf-8"?>
 <p:sld xmlns:a="http://schemas.openxmlformats.org/drawingml/2006/main" xmlns:r="http://schemas.openxmlformats.org/officeDocument/2006/relationships" xmlns:p="http://schemas.openxmlformats.org/presentationml/2006/main">
   <p:cSld>
     <p:spTree>
@@ -5175,7 +5926,7 @@
 </p:sld>
 </file>
 
-<file path=ppt/slides/slide15.xml><?xml version="1.0" encoding="utf-8"?>
+<file path=ppt/slides/slide17.xml><?xml version="1.0" encoding="utf-8"?>
 <p:sld xmlns:a="http://schemas.openxmlformats.org/drawingml/2006/main" xmlns:r="http://schemas.openxmlformats.org/officeDocument/2006/relationships" xmlns:p="http://schemas.openxmlformats.org/presentationml/2006/main">
   <p:cSld>
     <p:spTree>
@@ -5366,7 +6117,7 @@
 </p:sld>
 </file>
 
-<file path=ppt/slides/slide16.xml><?xml version="1.0" encoding="utf-8"?>
+<file path=ppt/slides/slide18.xml><?xml version="1.0" encoding="utf-8"?>
 <p:sld xmlns:a="http://schemas.openxmlformats.org/drawingml/2006/main" xmlns:r="http://schemas.openxmlformats.org/officeDocument/2006/relationships" xmlns:p="http://schemas.openxmlformats.org/presentationml/2006/main">
   <p:cSld>
     <p:spTree>
@@ -6120,6 +6871,1438 @@
 </file>
 
 <file path=ppt/slides/slide3.xml><?xml version="1.0" encoding="utf-8"?>
+<p:sld xmlns:a="http://schemas.openxmlformats.org/drawingml/2006/main" xmlns:r="http://schemas.openxmlformats.org/officeDocument/2006/relationships" xmlns:p="http://schemas.openxmlformats.org/presentationml/2006/main">
+  <p:cSld>
+    <p:spTree>
+      <p:nvGrpSpPr>
+        <p:cNvPr id="1" name=""/>
+        <p:cNvGrpSpPr/>
+        <p:nvPr/>
+      </p:nvGrpSpPr>
+      <p:grpSpPr/>
+      <p:sp>
+        <p:nvSpPr>
+          <p:cNvPr id="5" name="文本框 4"/>
+          <p:cNvSpPr txBox="1"/>
+          <p:nvPr/>
+        </p:nvSpPr>
+        <p:spPr>
+          <a:xfrm>
+            <a:off x="253365" y="182880"/>
+            <a:ext cx="5077460" cy="521970"/>
+          </a:xfrm>
+          <a:prstGeom prst="rect">
+            <a:avLst/>
+          </a:prstGeom>
+          <a:noFill/>
+        </p:spPr>
+        <p:txBody>
+          <a:bodyPr wrap="square" rtlCol="0">
+            <a:spAutoFit/>
+          </a:bodyPr>
+          <a:p>
+            <a:r>
+              <a:rPr lang="en-US" sz="2800">
+                <a:latin typeface="苹方-简" panose="020B0400000000000000" charset="-122"/>
+                <a:ea typeface="苹方-简" panose="020B0400000000000000" charset="-122"/>
+              </a:rPr>
+              <a:t>bolt.Open</a:t>
+            </a:r>
+            <a:r>
+              <a:rPr lang="zh-CN" altLang="en-US" sz="2800">
+                <a:latin typeface="苹方-简" panose="020B0400000000000000" charset="-122"/>
+                <a:ea typeface="苹方-简" panose="020B0400000000000000" charset="-122"/>
+              </a:rPr>
+              <a:t>过程：</a:t>
+            </a:r>
+            <a:endParaRPr lang="zh-CN" altLang="en-US" sz="2800">
+              <a:latin typeface="苹方-简" panose="020B0400000000000000" charset="-122"/>
+              <a:ea typeface="苹方-简" panose="020B0400000000000000" charset="-122"/>
+            </a:endParaRPr>
+          </a:p>
+        </p:txBody>
+      </p:sp>
+      <p:sp>
+        <p:nvSpPr>
+          <p:cNvPr id="4" name="文本框 3"/>
+          <p:cNvSpPr txBox="1"/>
+          <p:nvPr/>
+        </p:nvSpPr>
+        <p:spPr>
+          <a:xfrm>
+            <a:off x="320040" y="878205"/>
+            <a:ext cx="11313795" cy="1753235"/>
+          </a:xfrm>
+          <a:prstGeom prst="rect">
+            <a:avLst/>
+          </a:prstGeom>
+          <a:noFill/>
+        </p:spPr>
+        <p:txBody>
+          <a:bodyPr wrap="square" rtlCol="0">
+            <a:spAutoFit/>
+          </a:bodyPr>
+          <a:p>
+            <a:pPr marL="342900" indent="-342900">
+              <a:buAutoNum type="arabicPeriod"/>
+            </a:pPr>
+            <a:r>
+              <a:rPr lang="en-US" altLang="zh-CN">
+                <a:latin typeface="苹方-简" panose="020B0400000000000000" charset="-122"/>
+                <a:ea typeface="苹方-简" panose="020B0400000000000000" charset="-122"/>
+                <a:cs typeface="苹方-简" panose="020B0400000000000000" charset="-122"/>
+              </a:rPr>
+              <a:t>os.OpenFile</a:t>
+            </a:r>
+            <a:r>
+              <a:rPr lang="zh-CN" altLang="en-US">
+                <a:latin typeface="苹方-简" panose="020B0400000000000000" charset="-122"/>
+                <a:ea typeface="苹方-简" panose="020B0400000000000000" charset="-122"/>
+                <a:cs typeface="苹方-简" panose="020B0400000000000000" charset="-122"/>
+              </a:rPr>
+              <a:t>：打开数据库文件；</a:t>
+            </a:r>
+            <a:endParaRPr lang="zh-CN" altLang="en-US">
+              <a:latin typeface="苹方-简" panose="020B0400000000000000" charset="-122"/>
+              <a:ea typeface="苹方-简" panose="020B0400000000000000" charset="-122"/>
+              <a:cs typeface="苹方-简" panose="020B0400000000000000" charset="-122"/>
+            </a:endParaRPr>
+          </a:p>
+          <a:p>
+            <a:pPr marL="342900" indent="-342900">
+              <a:buAutoNum type="arabicPeriod"/>
+            </a:pPr>
+            <a:r>
+              <a:rPr lang="en-US" altLang="zh-CN">
+                <a:latin typeface="苹方-简" panose="020B0400000000000000" charset="-122"/>
+                <a:ea typeface="苹方-简" panose="020B0400000000000000" charset="-122"/>
+                <a:cs typeface="苹方-简" panose="020B0400000000000000" charset="-122"/>
+              </a:rPr>
+              <a:t>flock</a:t>
+            </a:r>
+            <a:r>
+              <a:rPr lang="zh-CN" altLang="en-US">
+                <a:latin typeface="苹方-简" panose="020B0400000000000000" charset="-122"/>
+                <a:ea typeface="苹方-简" panose="020B0400000000000000" charset="-122"/>
+                <a:cs typeface="苹方-简" panose="020B0400000000000000" charset="-122"/>
+              </a:rPr>
+              <a:t>：根据是否可读来决定是否上文件锁；</a:t>
+            </a:r>
+            <a:endParaRPr lang="zh-CN" altLang="en-US">
+              <a:latin typeface="苹方-简" panose="020B0400000000000000" charset="-122"/>
+              <a:ea typeface="苹方-简" panose="020B0400000000000000" charset="-122"/>
+              <a:cs typeface="苹方-简" panose="020B0400000000000000" charset="-122"/>
+            </a:endParaRPr>
+          </a:p>
+          <a:p>
+            <a:pPr marL="342900" indent="-342900">
+              <a:buAutoNum type="arabicPeriod"/>
+            </a:pPr>
+            <a:r>
+              <a:rPr lang="zh-CN" altLang="en-US">
+                <a:latin typeface="苹方-简" panose="020B0400000000000000" charset="-122"/>
+                <a:ea typeface="苹方-简" panose="020B0400000000000000" charset="-122"/>
+                <a:cs typeface="苹方-简" panose="020B0400000000000000" charset="-122"/>
+              </a:rPr>
+              <a:t>读取数据库文件的内容，若文件是空，证明是新创建，进行</a:t>
+            </a:r>
+            <a:r>
+              <a:rPr lang="en-US" altLang="zh-CN">
+                <a:latin typeface="苹方-简" panose="020B0400000000000000" charset="-122"/>
+                <a:ea typeface="苹方-简" panose="020B0400000000000000" charset="-122"/>
+                <a:cs typeface="苹方-简" panose="020B0400000000000000" charset="-122"/>
+              </a:rPr>
+              <a:t>db</a:t>
+            </a:r>
+            <a:r>
+              <a:rPr lang="zh-CN" altLang="en-US">
+                <a:latin typeface="苹方-简" panose="020B0400000000000000" charset="-122"/>
+                <a:ea typeface="苹方-简" panose="020B0400000000000000" charset="-122"/>
+                <a:cs typeface="苹方-简" panose="020B0400000000000000" charset="-122"/>
+              </a:rPr>
+              <a:t>的初始化，否则，直接读取文件内容来初始化</a:t>
+            </a:r>
+            <a:r>
+              <a:rPr lang="en-US" altLang="zh-CN">
+                <a:latin typeface="苹方-简" panose="020B0400000000000000" charset="-122"/>
+                <a:ea typeface="苹方-简" panose="020B0400000000000000" charset="-122"/>
+                <a:cs typeface="苹方-简" panose="020B0400000000000000" charset="-122"/>
+              </a:rPr>
+              <a:t>boltdb</a:t>
+            </a:r>
+            <a:r>
+              <a:rPr lang="zh-CN" altLang="en-US">
+                <a:latin typeface="苹方-简" panose="020B0400000000000000" charset="-122"/>
+                <a:ea typeface="苹方-简" panose="020B0400000000000000" charset="-122"/>
+                <a:cs typeface="苹方-简" panose="020B0400000000000000" charset="-122"/>
+              </a:rPr>
+              <a:t>的</a:t>
+            </a:r>
+            <a:r>
+              <a:rPr lang="en-US" altLang="zh-CN">
+                <a:latin typeface="苹方-简" panose="020B0400000000000000" charset="-122"/>
+                <a:ea typeface="苹方-简" panose="020B0400000000000000" charset="-122"/>
+                <a:cs typeface="苹方-简" panose="020B0400000000000000" charset="-122"/>
+              </a:rPr>
+              <a:t>meta</a:t>
+            </a:r>
+            <a:r>
+              <a:rPr lang="zh-CN" altLang="en-US">
+                <a:latin typeface="苹方-简" panose="020B0400000000000000" charset="-122"/>
+                <a:ea typeface="苹方-简" panose="020B0400000000000000" charset="-122"/>
+                <a:cs typeface="苹方-简" panose="020B0400000000000000" charset="-122"/>
+              </a:rPr>
+              <a:t>内容（</a:t>
+            </a:r>
+            <a:r>
+              <a:rPr lang="en-US" altLang="zh-CN">
+                <a:latin typeface="苹方-简" panose="020B0400000000000000" charset="-122"/>
+                <a:ea typeface="苹方-简" panose="020B0400000000000000" charset="-122"/>
+                <a:cs typeface="苹方-简" panose="020B0400000000000000" charset="-122"/>
+              </a:rPr>
+              <a:t>meta0, meta1, freelist, branch/leaf......)</a:t>
+            </a:r>
+            <a:r>
+              <a:rPr lang="zh-CN" altLang="en-US">
+                <a:latin typeface="苹方-简" panose="020B0400000000000000" charset="-122"/>
+                <a:ea typeface="苹方-简" panose="020B0400000000000000" charset="-122"/>
+                <a:cs typeface="苹方-简" panose="020B0400000000000000" charset="-122"/>
+              </a:rPr>
+              <a:t>；</a:t>
+            </a:r>
+            <a:endParaRPr lang="zh-CN" altLang="en-US">
+              <a:latin typeface="苹方-简" panose="020B0400000000000000" charset="-122"/>
+              <a:ea typeface="苹方-简" panose="020B0400000000000000" charset="-122"/>
+              <a:cs typeface="苹方-简" panose="020B0400000000000000" charset="-122"/>
+            </a:endParaRPr>
+          </a:p>
+          <a:p>
+            <a:pPr marL="342900" indent="-342900">
+              <a:buAutoNum type="arabicPeriod"/>
+            </a:pPr>
+            <a:r>
+              <a:rPr lang="en-US" altLang="zh-CN">
+                <a:latin typeface="苹方-简" panose="020B0400000000000000" charset="-122"/>
+                <a:ea typeface="苹方-简" panose="020B0400000000000000" charset="-122"/>
+                <a:cs typeface="苹方-简" panose="020B0400000000000000" charset="-122"/>
+              </a:rPr>
+              <a:t>db.mmap</a:t>
+            </a:r>
+            <a:r>
+              <a:rPr lang="zh-CN" altLang="en-US">
+                <a:latin typeface="苹方-简" panose="020B0400000000000000" charset="-122"/>
+                <a:ea typeface="苹方-简" panose="020B0400000000000000" charset="-122"/>
+                <a:cs typeface="苹方-简" panose="020B0400000000000000" charset="-122"/>
+              </a:rPr>
+              <a:t>：将文件的内容映射到共享内存上；</a:t>
+            </a:r>
+            <a:endParaRPr lang="zh-CN" altLang="en-US">
+              <a:latin typeface="苹方-简" panose="020B0400000000000000" charset="-122"/>
+              <a:ea typeface="苹方-简" panose="020B0400000000000000" charset="-122"/>
+              <a:cs typeface="苹方-简" panose="020B0400000000000000" charset="-122"/>
+            </a:endParaRPr>
+          </a:p>
+          <a:p>
+            <a:pPr marL="342900" indent="-342900">
+              <a:buAutoNum type="arabicPeriod"/>
+            </a:pPr>
+            <a:r>
+              <a:rPr lang="zh-CN" altLang="en-US">
+                <a:latin typeface="苹方-简" panose="020B0400000000000000" charset="-122"/>
+                <a:ea typeface="苹方-简" panose="020B0400000000000000" charset="-122"/>
+                <a:cs typeface="苹方-简" panose="020B0400000000000000" charset="-122"/>
+              </a:rPr>
+              <a:t>初始化</a:t>
+            </a:r>
+            <a:r>
+              <a:rPr lang="en-US" altLang="zh-CN">
+                <a:latin typeface="苹方-简" panose="020B0400000000000000" charset="-122"/>
+                <a:ea typeface="苹方-简" panose="020B0400000000000000" charset="-122"/>
+                <a:cs typeface="苹方-简" panose="020B0400000000000000" charset="-122"/>
+              </a:rPr>
+              <a:t>db</a:t>
+            </a:r>
+            <a:r>
+              <a:rPr lang="zh-CN" altLang="en-US">
+                <a:latin typeface="苹方-简" panose="020B0400000000000000" charset="-122"/>
+                <a:ea typeface="苹方-简" panose="020B0400000000000000" charset="-122"/>
+                <a:cs typeface="苹方-简" panose="020B0400000000000000" charset="-122"/>
+              </a:rPr>
+              <a:t>的</a:t>
+            </a:r>
+            <a:r>
+              <a:rPr lang="en-US" altLang="zh-CN">
+                <a:latin typeface="苹方-简" panose="020B0400000000000000" charset="-122"/>
+                <a:ea typeface="苹方-简" panose="020B0400000000000000" charset="-122"/>
+                <a:cs typeface="苹方-简" panose="020B0400000000000000" charset="-122"/>
+              </a:rPr>
+              <a:t>freelist</a:t>
+            </a:r>
+            <a:r>
+              <a:rPr lang="zh-CN" altLang="en-US">
+                <a:latin typeface="苹方-简" panose="020B0400000000000000" charset="-122"/>
+                <a:ea typeface="苹方-简" panose="020B0400000000000000" charset="-122"/>
+                <a:cs typeface="苹方-简" panose="020B0400000000000000" charset="-122"/>
+              </a:rPr>
+              <a:t>数据结构。</a:t>
+            </a:r>
+            <a:endParaRPr lang="zh-CN" altLang="en-US">
+              <a:latin typeface="苹方-简" panose="020B0400000000000000" charset="-122"/>
+              <a:ea typeface="苹方-简" panose="020B0400000000000000" charset="-122"/>
+              <a:cs typeface="苹方-简" panose="020B0400000000000000" charset="-122"/>
+            </a:endParaRPr>
+          </a:p>
+        </p:txBody>
+      </p:sp>
+      <p:sp>
+        <p:nvSpPr>
+          <p:cNvPr id="6" name="文本框 5"/>
+          <p:cNvSpPr txBox="1"/>
+          <p:nvPr/>
+        </p:nvSpPr>
+        <p:spPr>
+          <a:xfrm>
+            <a:off x="320040" y="2821305"/>
+            <a:ext cx="5077460" cy="521970"/>
+          </a:xfrm>
+          <a:prstGeom prst="rect">
+            <a:avLst/>
+          </a:prstGeom>
+          <a:noFill/>
+        </p:spPr>
+        <p:txBody>
+          <a:bodyPr wrap="square" rtlCol="0">
+            <a:spAutoFit/>
+          </a:bodyPr>
+          <a:p>
+            <a:r>
+              <a:rPr lang="en-US" sz="2800">
+                <a:latin typeface="苹方-简" panose="020B0400000000000000" charset="-122"/>
+                <a:ea typeface="苹方-简" panose="020B0400000000000000" charset="-122"/>
+              </a:rPr>
+              <a:t>db.Update</a:t>
+            </a:r>
+            <a:r>
+              <a:rPr lang="zh-CN" altLang="en-US" sz="2800">
+                <a:latin typeface="苹方-简" panose="020B0400000000000000" charset="-122"/>
+                <a:ea typeface="苹方-简" panose="020B0400000000000000" charset="-122"/>
+              </a:rPr>
+              <a:t>过程：</a:t>
+            </a:r>
+            <a:endParaRPr lang="zh-CN" altLang="en-US" sz="2800">
+              <a:latin typeface="苹方-简" panose="020B0400000000000000" charset="-122"/>
+              <a:ea typeface="苹方-简" panose="020B0400000000000000" charset="-122"/>
+            </a:endParaRPr>
+          </a:p>
+        </p:txBody>
+      </p:sp>
+      <p:sp>
+        <p:nvSpPr>
+          <p:cNvPr id="7" name="文本框 6"/>
+          <p:cNvSpPr txBox="1"/>
+          <p:nvPr/>
+        </p:nvSpPr>
+        <p:spPr>
+          <a:xfrm>
+            <a:off x="320040" y="3507740"/>
+            <a:ext cx="11313795" cy="1198880"/>
+          </a:xfrm>
+          <a:prstGeom prst="rect">
+            <a:avLst/>
+          </a:prstGeom>
+          <a:noFill/>
+        </p:spPr>
+        <p:txBody>
+          <a:bodyPr wrap="square" rtlCol="0">
+            <a:spAutoFit/>
+          </a:bodyPr>
+          <a:p>
+            <a:pPr marL="342900" indent="-342900">
+              <a:buAutoNum type="arabicPeriod"/>
+            </a:pPr>
+            <a:r>
+              <a:rPr lang="en-US" altLang="zh-CN">
+                <a:latin typeface="苹方-简" panose="020B0400000000000000" charset="-122"/>
+                <a:ea typeface="苹方-简" panose="020B0400000000000000" charset="-122"/>
+                <a:cs typeface="苹方-简" panose="020B0400000000000000" charset="-122"/>
+              </a:rPr>
+              <a:t>t := db.Begin(true)</a:t>
+            </a:r>
+            <a:r>
+              <a:rPr lang="zh-CN" altLang="en-US">
+                <a:latin typeface="苹方-简" panose="020B0400000000000000" charset="-122"/>
+                <a:ea typeface="苹方-简" panose="020B0400000000000000" charset="-122"/>
+                <a:cs typeface="苹方-简" panose="020B0400000000000000" charset="-122"/>
+              </a:rPr>
+              <a:t>：创建一个读写事务，并将其设为根</a:t>
+            </a:r>
+            <a:r>
+              <a:rPr lang="en-US" altLang="zh-CN">
+                <a:latin typeface="苹方-简" panose="020B0400000000000000" charset="-122"/>
+                <a:ea typeface="苹方-简" panose="020B0400000000000000" charset="-122"/>
+                <a:cs typeface="苹方-简" panose="020B0400000000000000" charset="-122"/>
+              </a:rPr>
+              <a:t>Bucket</a:t>
+            </a:r>
+            <a:r>
+              <a:rPr lang="zh-CN" altLang="en-US">
+                <a:latin typeface="苹方-简" panose="020B0400000000000000" charset="-122"/>
+                <a:ea typeface="苹方-简" panose="020B0400000000000000" charset="-122"/>
+                <a:cs typeface="苹方-简" panose="020B0400000000000000" charset="-122"/>
+              </a:rPr>
+              <a:t>，同时用</a:t>
+            </a:r>
+            <a:r>
+              <a:rPr lang="en-US" altLang="zh-CN">
+                <a:latin typeface="苹方-简" panose="020B0400000000000000" charset="-122"/>
+                <a:ea typeface="苹方-简" panose="020B0400000000000000" charset="-122"/>
+                <a:cs typeface="苹方-简" panose="020B0400000000000000" charset="-122"/>
+              </a:rPr>
+              <a:t>meta</a:t>
+            </a:r>
+            <a:r>
+              <a:rPr lang="zh-CN" altLang="en-US">
+                <a:latin typeface="苹方-简" panose="020B0400000000000000" charset="-122"/>
+                <a:ea typeface="苹方-简" panose="020B0400000000000000" charset="-122"/>
+                <a:cs typeface="苹方-简" panose="020B0400000000000000" charset="-122"/>
+              </a:rPr>
+              <a:t>中保存的根</a:t>
+            </a:r>
+            <a:r>
+              <a:rPr lang="en-US" altLang="zh-CN">
+                <a:latin typeface="苹方-简" panose="020B0400000000000000" charset="-122"/>
+                <a:ea typeface="苹方-简" panose="020B0400000000000000" charset="-122"/>
+                <a:cs typeface="苹方-简" panose="020B0400000000000000" charset="-122"/>
+              </a:rPr>
+              <a:t>Bucket</a:t>
+            </a:r>
+            <a:r>
+              <a:rPr lang="zh-CN" altLang="en-US">
+                <a:latin typeface="苹方-简" panose="020B0400000000000000" charset="-122"/>
+                <a:ea typeface="苹方-简" panose="020B0400000000000000" charset="-122"/>
+                <a:cs typeface="苹方-简" panose="020B0400000000000000" charset="-122"/>
+              </a:rPr>
+              <a:t>的头部来初始化</a:t>
+            </a:r>
+            <a:r>
+              <a:rPr lang="en-US" altLang="zh-CN">
+                <a:latin typeface="苹方-简" panose="020B0400000000000000" charset="-122"/>
+                <a:ea typeface="苹方-简" panose="020B0400000000000000" charset="-122"/>
+                <a:cs typeface="苹方-简" panose="020B0400000000000000" charset="-122"/>
+              </a:rPr>
+              <a:t>transaction</a:t>
+            </a:r>
+            <a:r>
+              <a:rPr lang="zh-CN" altLang="en-US">
+                <a:latin typeface="苹方-简" panose="020B0400000000000000" charset="-122"/>
+                <a:ea typeface="苹方-简" panose="020B0400000000000000" charset="-122"/>
+                <a:cs typeface="苹方-简" panose="020B0400000000000000" charset="-122"/>
+              </a:rPr>
+              <a:t>的根</a:t>
+            </a:r>
+            <a:r>
+              <a:rPr lang="en-US" altLang="zh-CN">
+                <a:latin typeface="苹方-简" panose="020B0400000000000000" charset="-122"/>
+                <a:ea typeface="苹方-简" panose="020B0400000000000000" charset="-122"/>
+                <a:cs typeface="苹方-简" panose="020B0400000000000000" charset="-122"/>
+              </a:rPr>
+              <a:t>Bucket</a:t>
+            </a:r>
+            <a:r>
+              <a:rPr lang="zh-CN" altLang="en-US">
+                <a:latin typeface="苹方-简" panose="020B0400000000000000" charset="-122"/>
+                <a:ea typeface="苹方-简" panose="020B0400000000000000" charset="-122"/>
+                <a:cs typeface="苹方-简" panose="020B0400000000000000" charset="-122"/>
+              </a:rPr>
+              <a:t>头部；</a:t>
+            </a:r>
+            <a:endParaRPr lang="zh-CN" altLang="en-US">
+              <a:latin typeface="苹方-简" panose="020B0400000000000000" charset="-122"/>
+              <a:ea typeface="苹方-简" panose="020B0400000000000000" charset="-122"/>
+              <a:cs typeface="苹方-简" panose="020B0400000000000000" charset="-122"/>
+            </a:endParaRPr>
+          </a:p>
+          <a:p>
+            <a:pPr marL="342900" indent="-342900">
+              <a:buAutoNum type="arabicPeriod"/>
+            </a:pPr>
+            <a:r>
+              <a:rPr lang="en-US" altLang="zh-CN">
+                <a:latin typeface="苹方-简" panose="020B0400000000000000" charset="-122"/>
+                <a:ea typeface="苹方-简" panose="020B0400000000000000" charset="-122"/>
+                <a:cs typeface="苹方-简" panose="020B0400000000000000" charset="-122"/>
+              </a:rPr>
+              <a:t>fn(t)</a:t>
+            </a:r>
+            <a:r>
+              <a:rPr lang="zh-CN" altLang="en-US">
+                <a:latin typeface="苹方-简" panose="020B0400000000000000" charset="-122"/>
+                <a:ea typeface="苹方-简" panose="020B0400000000000000" charset="-122"/>
+                <a:cs typeface="苹方-简" panose="020B0400000000000000" charset="-122"/>
+              </a:rPr>
+              <a:t>：执行</a:t>
+            </a:r>
+            <a:r>
+              <a:rPr lang="en-US" altLang="zh-CN">
+                <a:latin typeface="苹方-简" panose="020B0400000000000000" charset="-122"/>
+                <a:ea typeface="苹方-简" panose="020B0400000000000000" charset="-122"/>
+                <a:cs typeface="苹方-简" panose="020B0400000000000000" charset="-122"/>
+              </a:rPr>
+              <a:t>db</a:t>
+            </a:r>
+            <a:r>
+              <a:rPr lang="zh-CN" altLang="en-US">
+                <a:latin typeface="苹方-简" panose="020B0400000000000000" charset="-122"/>
+                <a:ea typeface="苹方-简" panose="020B0400000000000000" charset="-122"/>
+                <a:cs typeface="苹方-简" panose="020B0400000000000000" charset="-122"/>
+              </a:rPr>
+              <a:t>的</a:t>
+            </a:r>
+            <a:r>
+              <a:rPr lang="en-US" altLang="zh-CN">
+                <a:latin typeface="苹方-简" panose="020B0400000000000000" charset="-122"/>
+                <a:ea typeface="苹方-简" panose="020B0400000000000000" charset="-122"/>
+                <a:cs typeface="苹方-简" panose="020B0400000000000000" charset="-122"/>
+              </a:rPr>
+              <a:t>Update</a:t>
+            </a:r>
+            <a:r>
+              <a:rPr lang="zh-CN" altLang="en-US">
+                <a:latin typeface="苹方-简" panose="020B0400000000000000" charset="-122"/>
+                <a:ea typeface="苹方-简" panose="020B0400000000000000" charset="-122"/>
+                <a:cs typeface="苹方-简" panose="020B0400000000000000" charset="-122"/>
+              </a:rPr>
+              <a:t>操作；</a:t>
+            </a:r>
+            <a:endParaRPr lang="zh-CN" altLang="en-US">
+              <a:latin typeface="苹方-简" panose="020B0400000000000000" charset="-122"/>
+              <a:ea typeface="苹方-简" panose="020B0400000000000000" charset="-122"/>
+              <a:cs typeface="苹方-简" panose="020B0400000000000000" charset="-122"/>
+            </a:endParaRPr>
+          </a:p>
+          <a:p>
+            <a:pPr marL="342900" indent="-342900">
+              <a:buAutoNum type="arabicPeriod"/>
+            </a:pPr>
+            <a:r>
+              <a:rPr lang="en-US" altLang="zh-CN">
+                <a:latin typeface="苹方-简" panose="020B0400000000000000" charset="-122"/>
+                <a:ea typeface="苹方-简" panose="020B0400000000000000" charset="-122"/>
+                <a:cs typeface="苹方-简" panose="020B0400000000000000" charset="-122"/>
+              </a:rPr>
+              <a:t>t.Rollback()/t.Commit()</a:t>
+            </a:r>
+            <a:r>
+              <a:rPr lang="zh-CN" altLang="en-US">
+                <a:latin typeface="苹方-简" panose="020B0400000000000000" charset="-122"/>
+                <a:ea typeface="苹方-简" panose="020B0400000000000000" charset="-122"/>
+                <a:cs typeface="苹方-简" panose="020B0400000000000000" charset="-122"/>
+              </a:rPr>
+              <a:t>：视乎</a:t>
+            </a:r>
+            <a:r>
+              <a:rPr lang="en-US" altLang="zh-CN">
+                <a:latin typeface="苹方-简" panose="020B0400000000000000" charset="-122"/>
+                <a:ea typeface="苹方-简" panose="020B0400000000000000" charset="-122"/>
+                <a:cs typeface="苹方-简" panose="020B0400000000000000" charset="-122"/>
+              </a:rPr>
+              <a:t>fn</a:t>
+            </a:r>
+            <a:r>
+              <a:rPr lang="zh-CN" altLang="en-US">
+                <a:latin typeface="苹方-简" panose="020B0400000000000000" charset="-122"/>
+                <a:ea typeface="苹方-简" panose="020B0400000000000000" charset="-122"/>
+                <a:cs typeface="苹方-简" panose="020B0400000000000000" charset="-122"/>
+              </a:rPr>
+              <a:t>的执行情况，决定是</a:t>
+            </a:r>
+            <a:r>
+              <a:rPr lang="en-US" altLang="zh-CN">
+                <a:latin typeface="苹方-简" panose="020B0400000000000000" charset="-122"/>
+                <a:ea typeface="苹方-简" panose="020B0400000000000000" charset="-122"/>
+                <a:cs typeface="苹方-简" panose="020B0400000000000000" charset="-122"/>
+              </a:rPr>
+              <a:t>Rollback</a:t>
+            </a:r>
+            <a:r>
+              <a:rPr lang="zh-CN" altLang="en-US">
+                <a:latin typeface="苹方-简" panose="020B0400000000000000" charset="-122"/>
+                <a:ea typeface="苹方-简" panose="020B0400000000000000" charset="-122"/>
+                <a:cs typeface="苹方-简" panose="020B0400000000000000" charset="-122"/>
+              </a:rPr>
+              <a:t>还是</a:t>
+            </a:r>
+            <a:r>
+              <a:rPr lang="en-US" altLang="zh-CN">
+                <a:latin typeface="苹方-简" panose="020B0400000000000000" charset="-122"/>
+                <a:ea typeface="苹方-简" panose="020B0400000000000000" charset="-122"/>
+                <a:cs typeface="苹方-简" panose="020B0400000000000000" charset="-122"/>
+              </a:rPr>
+              <a:t>Commit</a:t>
+            </a:r>
+            <a:r>
+              <a:rPr lang="zh-CN" altLang="en-US">
+                <a:latin typeface="苹方-简" panose="020B0400000000000000" charset="-122"/>
+                <a:ea typeface="苹方-简" panose="020B0400000000000000" charset="-122"/>
+                <a:cs typeface="苹方-简" panose="020B0400000000000000" charset="-122"/>
+              </a:rPr>
+              <a:t>。</a:t>
+            </a:r>
+            <a:endParaRPr lang="zh-CN" altLang="en-US">
+              <a:latin typeface="苹方-简" panose="020B0400000000000000" charset="-122"/>
+              <a:ea typeface="苹方-简" panose="020B0400000000000000" charset="-122"/>
+              <a:cs typeface="苹方-简" panose="020B0400000000000000" charset="-122"/>
+            </a:endParaRPr>
+          </a:p>
+        </p:txBody>
+      </p:sp>
+      <p:sp>
+        <p:nvSpPr>
+          <p:cNvPr id="8" name="文本框 7"/>
+          <p:cNvSpPr txBox="1"/>
+          <p:nvPr/>
+        </p:nvSpPr>
+        <p:spPr>
+          <a:xfrm>
+            <a:off x="320040" y="4833620"/>
+            <a:ext cx="5077460" cy="521970"/>
+          </a:xfrm>
+          <a:prstGeom prst="rect">
+            <a:avLst/>
+          </a:prstGeom>
+          <a:noFill/>
+        </p:spPr>
+        <p:txBody>
+          <a:bodyPr wrap="square" rtlCol="0">
+            <a:spAutoFit/>
+          </a:bodyPr>
+          <a:p>
+            <a:r>
+              <a:rPr lang="en-US" sz="2800">
+                <a:latin typeface="苹方-简" panose="020B0400000000000000" charset="-122"/>
+                <a:ea typeface="苹方-简" panose="020B0400000000000000" charset="-122"/>
+              </a:rPr>
+              <a:t>tx.CreateBucket</a:t>
+            </a:r>
+            <a:r>
+              <a:rPr lang="zh-CN" altLang="en-US" sz="2800">
+                <a:latin typeface="苹方-简" panose="020B0400000000000000" charset="-122"/>
+                <a:ea typeface="苹方-简" panose="020B0400000000000000" charset="-122"/>
+              </a:rPr>
+              <a:t>过程：</a:t>
+            </a:r>
+            <a:endParaRPr lang="zh-CN" altLang="en-US" sz="2800">
+              <a:latin typeface="苹方-简" panose="020B0400000000000000" charset="-122"/>
+              <a:ea typeface="苹方-简" panose="020B0400000000000000" charset="-122"/>
+            </a:endParaRPr>
+          </a:p>
+        </p:txBody>
+      </p:sp>
+      <p:sp>
+        <p:nvSpPr>
+          <p:cNvPr id="9" name="文本框 8"/>
+          <p:cNvSpPr txBox="1"/>
+          <p:nvPr/>
+        </p:nvSpPr>
+        <p:spPr>
+          <a:xfrm>
+            <a:off x="320040" y="5410835"/>
+            <a:ext cx="11313795" cy="1198880"/>
+          </a:xfrm>
+          <a:prstGeom prst="rect">
+            <a:avLst/>
+          </a:prstGeom>
+          <a:noFill/>
+        </p:spPr>
+        <p:txBody>
+          <a:bodyPr wrap="square" rtlCol="0">
+            <a:spAutoFit/>
+          </a:bodyPr>
+          <a:p>
+            <a:pPr marL="342900" indent="-342900">
+              <a:buAutoNum type="arabicPeriod"/>
+            </a:pPr>
+            <a:r>
+              <a:rPr lang="zh-CN" altLang="en-US">
+                <a:latin typeface="苹方-简" panose="020B0400000000000000" charset="-122"/>
+                <a:ea typeface="苹方-简" panose="020B0400000000000000" charset="-122"/>
+                <a:cs typeface="苹方-简" panose="020B0400000000000000" charset="-122"/>
+              </a:rPr>
+              <a:t>在当前</a:t>
+            </a:r>
+            <a:r>
+              <a:rPr lang="en-US" altLang="zh-CN">
+                <a:latin typeface="苹方-简" panose="020B0400000000000000" charset="-122"/>
+                <a:ea typeface="苹方-简" panose="020B0400000000000000" charset="-122"/>
+                <a:cs typeface="苹方-简" panose="020B0400000000000000" charset="-122"/>
+              </a:rPr>
+              <a:t>Bucket</a:t>
+            </a:r>
+            <a:r>
+              <a:rPr lang="zh-CN" altLang="en-US">
+                <a:latin typeface="苹方-简" panose="020B0400000000000000" charset="-122"/>
+                <a:ea typeface="苹方-简" panose="020B0400000000000000" charset="-122"/>
+                <a:cs typeface="苹方-简" panose="020B0400000000000000" charset="-122"/>
+              </a:rPr>
+              <a:t>（</a:t>
+            </a:r>
+            <a:r>
+              <a:rPr lang="en-US" altLang="zh-CN">
+                <a:latin typeface="苹方-简" panose="020B0400000000000000" charset="-122"/>
+                <a:ea typeface="苹方-简" panose="020B0400000000000000" charset="-122"/>
+                <a:cs typeface="苹方-简" panose="020B0400000000000000" charset="-122"/>
+              </a:rPr>
+              <a:t>rootBucket</a:t>
+            </a:r>
+            <a:r>
+              <a:rPr lang="zh-CN" altLang="en-US">
+                <a:latin typeface="苹方-简" panose="020B0400000000000000" charset="-122"/>
+                <a:ea typeface="苹方-简" panose="020B0400000000000000" charset="-122"/>
+                <a:cs typeface="苹方-简" panose="020B0400000000000000" charset="-122"/>
+              </a:rPr>
+              <a:t>）中创建游标（</a:t>
+            </a:r>
+            <a:r>
+              <a:rPr lang="en-US" altLang="zh-CN">
+                <a:latin typeface="苹方-简" panose="020B0400000000000000" charset="-122"/>
+                <a:ea typeface="苹方-简" panose="020B0400000000000000" charset="-122"/>
+                <a:cs typeface="苹方-简" panose="020B0400000000000000" charset="-122"/>
+              </a:rPr>
+              <a:t>Cursor</a:t>
+            </a:r>
+            <a:r>
+              <a:rPr lang="zh-CN" altLang="en-US">
+                <a:latin typeface="苹方-简" panose="020B0400000000000000" charset="-122"/>
+                <a:ea typeface="苹方-简" panose="020B0400000000000000" charset="-122"/>
+                <a:cs typeface="苹方-简" panose="020B0400000000000000" charset="-122"/>
+              </a:rPr>
+              <a:t>），查找</a:t>
+            </a:r>
+            <a:r>
+              <a:rPr lang="en-US" altLang="zh-CN">
+                <a:latin typeface="苹方-简" panose="020B0400000000000000" charset="-122"/>
+                <a:ea typeface="苹方-简" panose="020B0400000000000000" charset="-122"/>
+                <a:cs typeface="苹方-简" panose="020B0400000000000000" charset="-122"/>
+              </a:rPr>
+              <a:t>key</a:t>
+            </a:r>
+            <a:r>
+              <a:rPr lang="zh-CN" altLang="en-US">
+                <a:latin typeface="苹方-简" panose="020B0400000000000000" charset="-122"/>
+                <a:ea typeface="苹方-简" panose="020B0400000000000000" charset="-122"/>
+                <a:cs typeface="苹方-简" panose="020B0400000000000000" charset="-122"/>
+              </a:rPr>
+              <a:t>，确定其应该插入的位置；</a:t>
+            </a:r>
+            <a:endParaRPr lang="zh-CN" altLang="en-US">
+              <a:latin typeface="苹方-简" panose="020B0400000000000000" charset="-122"/>
+              <a:ea typeface="苹方-简" panose="020B0400000000000000" charset="-122"/>
+              <a:cs typeface="苹方-简" panose="020B0400000000000000" charset="-122"/>
+            </a:endParaRPr>
+          </a:p>
+          <a:p>
+            <a:pPr marL="342900" indent="-342900">
+              <a:buAutoNum type="arabicPeriod"/>
+            </a:pPr>
+            <a:r>
+              <a:rPr lang="zh-CN" altLang="en-US">
+                <a:latin typeface="苹方-简" panose="020B0400000000000000" charset="-122"/>
+                <a:ea typeface="苹方-简" panose="020B0400000000000000" charset="-122"/>
+                <a:cs typeface="苹方-简" panose="020B0400000000000000" charset="-122"/>
+              </a:rPr>
+              <a:t>创建一个空的内置</a:t>
+            </a:r>
+            <a:r>
+              <a:rPr lang="en-US" altLang="zh-CN">
+                <a:latin typeface="苹方-简" panose="020B0400000000000000" charset="-122"/>
+                <a:ea typeface="苹方-简" panose="020B0400000000000000" charset="-122"/>
+                <a:cs typeface="苹方-简" panose="020B0400000000000000" charset="-122"/>
+              </a:rPr>
+              <a:t>Bucket</a:t>
+            </a:r>
+            <a:r>
+              <a:rPr lang="zh-CN" altLang="en-US">
+                <a:latin typeface="苹方-简" panose="020B0400000000000000" charset="-122"/>
+                <a:ea typeface="苹方-简" panose="020B0400000000000000" charset="-122"/>
+                <a:cs typeface="苹方-简" panose="020B0400000000000000" charset="-122"/>
+              </a:rPr>
+              <a:t>；</a:t>
+            </a:r>
+            <a:endParaRPr lang="zh-CN" altLang="en-US">
+              <a:latin typeface="苹方-简" panose="020B0400000000000000" charset="-122"/>
+              <a:ea typeface="苹方-简" panose="020B0400000000000000" charset="-122"/>
+              <a:cs typeface="苹方-简" panose="020B0400000000000000" charset="-122"/>
+            </a:endParaRPr>
+          </a:p>
+          <a:p>
+            <a:pPr marL="342900" indent="-342900">
+              <a:buAutoNum type="arabicPeriod"/>
+            </a:pPr>
+            <a:r>
+              <a:rPr lang="zh-CN" altLang="en-US">
+                <a:latin typeface="苹方-简" panose="020B0400000000000000" charset="-122"/>
+                <a:ea typeface="苹方-简" panose="020B0400000000000000" charset="-122"/>
+                <a:cs typeface="苹方-简" panose="020B0400000000000000" charset="-122"/>
+              </a:rPr>
+              <a:t>将</a:t>
+            </a:r>
+            <a:r>
+              <a:rPr lang="en-US" altLang="zh-CN">
+                <a:latin typeface="苹方-简" panose="020B0400000000000000" charset="-122"/>
+                <a:ea typeface="苹方-简" panose="020B0400000000000000" charset="-122"/>
+                <a:cs typeface="苹方-简" panose="020B0400000000000000" charset="-122"/>
+              </a:rPr>
+              <a:t>Bucket</a:t>
+            </a:r>
+            <a:r>
+              <a:rPr lang="zh-CN" altLang="en-US">
+                <a:latin typeface="苹方-简" panose="020B0400000000000000" charset="-122"/>
+                <a:ea typeface="苹方-简" panose="020B0400000000000000" charset="-122"/>
+                <a:cs typeface="苹方-简" panose="020B0400000000000000" charset="-122"/>
+              </a:rPr>
+              <a:t>序列化成</a:t>
+            </a:r>
+            <a:r>
+              <a:rPr lang="en-US" altLang="zh-CN">
+                <a:latin typeface="苹方-简" panose="020B0400000000000000" charset="-122"/>
+                <a:ea typeface="苹方-简" panose="020B0400000000000000" charset="-122"/>
+                <a:cs typeface="苹方-简" panose="020B0400000000000000" charset="-122"/>
+              </a:rPr>
+              <a:t>key-value</a:t>
+            </a:r>
+            <a:r>
+              <a:rPr lang="zh-CN" altLang="en-US">
+                <a:latin typeface="苹方-简" panose="020B0400000000000000" charset="-122"/>
+                <a:ea typeface="苹方-简" panose="020B0400000000000000" charset="-122"/>
+                <a:cs typeface="苹方-简" panose="020B0400000000000000" charset="-122"/>
+              </a:rPr>
+              <a:t>结构，其中</a:t>
+            </a:r>
+            <a:r>
+              <a:rPr lang="en-US" altLang="zh-CN">
+                <a:latin typeface="苹方-简" panose="020B0400000000000000" charset="-122"/>
+                <a:ea typeface="苹方-简" panose="020B0400000000000000" charset="-122"/>
+                <a:cs typeface="苹方-简" panose="020B0400000000000000" charset="-122"/>
+              </a:rPr>
+              <a:t>Key</a:t>
+            </a:r>
+            <a:r>
+              <a:rPr lang="zh-CN" altLang="en-US">
+                <a:latin typeface="苹方-简" panose="020B0400000000000000" charset="-122"/>
+                <a:ea typeface="苹方-简" panose="020B0400000000000000" charset="-122"/>
+                <a:cs typeface="苹方-简" panose="020B0400000000000000" charset="-122"/>
+              </a:rPr>
+              <a:t>是子</a:t>
+            </a:r>
+            <a:r>
+              <a:rPr lang="en-US" altLang="zh-CN">
+                <a:latin typeface="苹方-简" panose="020B0400000000000000" charset="-122"/>
+                <a:ea typeface="苹方-简" panose="020B0400000000000000" charset="-122"/>
+                <a:cs typeface="苹方-简" panose="020B0400000000000000" charset="-122"/>
+              </a:rPr>
+              <a:t>Bucket</a:t>
+            </a:r>
+            <a:r>
+              <a:rPr lang="zh-CN" altLang="en-US">
+                <a:latin typeface="苹方-简" panose="020B0400000000000000" charset="-122"/>
+                <a:ea typeface="苹方-简" panose="020B0400000000000000" charset="-122"/>
+                <a:cs typeface="苹方-简" panose="020B0400000000000000" charset="-122"/>
+              </a:rPr>
+              <a:t>的名字，</a:t>
+            </a:r>
+            <a:r>
+              <a:rPr lang="en-US" altLang="zh-CN">
+                <a:latin typeface="苹方-简" panose="020B0400000000000000" charset="-122"/>
+                <a:ea typeface="苹方-简" panose="020B0400000000000000" charset="-122"/>
+                <a:cs typeface="苹方-简" panose="020B0400000000000000" charset="-122"/>
+              </a:rPr>
+              <a:t>Value</a:t>
+            </a:r>
+            <a:r>
+              <a:rPr lang="zh-CN" altLang="en-US">
+                <a:latin typeface="苹方-简" panose="020B0400000000000000" charset="-122"/>
+                <a:ea typeface="苹方-简" panose="020B0400000000000000" charset="-122"/>
+                <a:cs typeface="苹方-简" panose="020B0400000000000000" charset="-122"/>
+              </a:rPr>
+              <a:t>是子</a:t>
+            </a:r>
+            <a:r>
+              <a:rPr lang="en-US" altLang="zh-CN">
+                <a:latin typeface="苹方-简" panose="020B0400000000000000" charset="-122"/>
+                <a:ea typeface="苹方-简" panose="020B0400000000000000" charset="-122"/>
+                <a:cs typeface="苹方-简" panose="020B0400000000000000" charset="-122"/>
+              </a:rPr>
+              <a:t>Bucket</a:t>
+            </a:r>
+            <a:r>
+              <a:rPr lang="zh-CN" altLang="en-US">
+                <a:latin typeface="苹方-简" panose="020B0400000000000000" charset="-122"/>
+                <a:ea typeface="苹方-简" panose="020B0400000000000000" charset="-122"/>
+                <a:cs typeface="苹方-简" panose="020B0400000000000000" charset="-122"/>
+              </a:rPr>
+              <a:t>的序列化结果；</a:t>
+            </a:r>
+            <a:endParaRPr lang="zh-CN" altLang="en-US">
+              <a:latin typeface="苹方-简" panose="020B0400000000000000" charset="-122"/>
+              <a:ea typeface="苹方-简" panose="020B0400000000000000" charset="-122"/>
+              <a:cs typeface="苹方-简" panose="020B0400000000000000" charset="-122"/>
+            </a:endParaRPr>
+          </a:p>
+          <a:p>
+            <a:pPr marL="342900" indent="-342900">
+              <a:buAutoNum type="arabicPeriod"/>
+            </a:pPr>
+            <a:r>
+              <a:rPr lang="zh-CN" altLang="en-US">
+                <a:latin typeface="苹方-简" panose="020B0400000000000000" charset="-122"/>
+                <a:ea typeface="苹方-简" panose="020B0400000000000000" charset="-122"/>
+                <a:cs typeface="苹方-简" panose="020B0400000000000000" charset="-122"/>
+              </a:rPr>
+              <a:t>将子</a:t>
+            </a:r>
+            <a:r>
+              <a:rPr lang="en-US" altLang="zh-CN">
+                <a:latin typeface="苹方-简" panose="020B0400000000000000" charset="-122"/>
+                <a:ea typeface="苹方-简" panose="020B0400000000000000" charset="-122"/>
+                <a:cs typeface="苹方-简" panose="020B0400000000000000" charset="-122"/>
+              </a:rPr>
+              <a:t>Bucket</a:t>
+            </a:r>
+            <a:r>
+              <a:rPr lang="zh-CN" altLang="en-US">
+                <a:latin typeface="苹方-简" panose="020B0400000000000000" charset="-122"/>
+                <a:ea typeface="苹方-简" panose="020B0400000000000000" charset="-122"/>
+                <a:cs typeface="苹方-简" panose="020B0400000000000000" charset="-122"/>
+              </a:rPr>
+              <a:t>作为内置</a:t>
+            </a:r>
+            <a:r>
+              <a:rPr lang="en-US" altLang="zh-CN">
+                <a:latin typeface="苹方-简" panose="020B0400000000000000" charset="-122"/>
+                <a:ea typeface="苹方-简" panose="020B0400000000000000" charset="-122"/>
+                <a:cs typeface="苹方-简" panose="020B0400000000000000" charset="-122"/>
+              </a:rPr>
+              <a:t>Bucket</a:t>
+            </a:r>
+            <a:r>
+              <a:rPr lang="zh-CN" altLang="en-US">
+                <a:latin typeface="苹方-简" panose="020B0400000000000000" charset="-122"/>
+                <a:ea typeface="苹方-简" panose="020B0400000000000000" charset="-122"/>
+                <a:cs typeface="苹方-简" panose="020B0400000000000000" charset="-122"/>
+              </a:rPr>
+              <a:t>，插入到当前</a:t>
+            </a:r>
+            <a:r>
+              <a:rPr lang="en-US" altLang="zh-CN">
+                <a:latin typeface="苹方-简" panose="020B0400000000000000" charset="-122"/>
+                <a:ea typeface="苹方-简" panose="020B0400000000000000" charset="-122"/>
+                <a:cs typeface="苹方-简" panose="020B0400000000000000" charset="-122"/>
+              </a:rPr>
+              <a:t>Bucket</a:t>
+            </a:r>
+            <a:r>
+              <a:rPr lang="zh-CN" altLang="en-US">
+                <a:latin typeface="苹方-简" panose="020B0400000000000000" charset="-122"/>
+                <a:ea typeface="苹方-简" panose="020B0400000000000000" charset="-122"/>
+                <a:cs typeface="苹方-简" panose="020B0400000000000000" charset="-122"/>
+              </a:rPr>
+              <a:t>中。</a:t>
+            </a:r>
+            <a:endParaRPr lang="zh-CN" altLang="en-US">
+              <a:latin typeface="苹方-简" panose="020B0400000000000000" charset="-122"/>
+              <a:ea typeface="苹方-简" panose="020B0400000000000000" charset="-122"/>
+              <a:cs typeface="苹方-简" panose="020B0400000000000000" charset="-122"/>
+            </a:endParaRPr>
+          </a:p>
+        </p:txBody>
+      </p:sp>
+    </p:spTree>
+  </p:cSld>
+  <p:clrMapOvr>
+    <a:masterClrMapping/>
+  </p:clrMapOvr>
+</p:sld>
+</file>
+
+<file path=ppt/slides/slide4.xml><?xml version="1.0" encoding="utf-8"?>
+<p:sld xmlns:a="http://schemas.openxmlformats.org/drawingml/2006/main" xmlns:r="http://schemas.openxmlformats.org/officeDocument/2006/relationships" xmlns:p="http://schemas.openxmlformats.org/presentationml/2006/main">
+  <p:cSld>
+    <p:spTree>
+      <p:nvGrpSpPr>
+        <p:cNvPr id="1" name=""/>
+        <p:cNvGrpSpPr/>
+        <p:nvPr/>
+      </p:nvGrpSpPr>
+      <p:grpSpPr/>
+      <p:sp>
+        <p:nvSpPr>
+          <p:cNvPr id="5" name="文本框 4"/>
+          <p:cNvSpPr txBox="1"/>
+          <p:nvPr/>
+        </p:nvSpPr>
+        <p:spPr>
+          <a:xfrm>
+            <a:off x="253365" y="182880"/>
+            <a:ext cx="5077460" cy="521970"/>
+          </a:xfrm>
+          <a:prstGeom prst="rect">
+            <a:avLst/>
+          </a:prstGeom>
+          <a:noFill/>
+        </p:spPr>
+        <p:txBody>
+          <a:bodyPr wrap="square" rtlCol="0">
+            <a:spAutoFit/>
+          </a:bodyPr>
+          <a:p>
+            <a:r>
+              <a:rPr lang="en-US" altLang="zh-CN" sz="2800">
+                <a:latin typeface="苹方-简" panose="020B0400000000000000" charset="-122"/>
+                <a:ea typeface="苹方-简" panose="020B0400000000000000" charset="-122"/>
+              </a:rPr>
+              <a:t>Bucket.Put(key, value)</a:t>
+            </a:r>
+            <a:r>
+              <a:rPr lang="zh-CN" altLang="en-US" sz="2800">
+                <a:latin typeface="苹方-简" panose="020B0400000000000000" charset="-122"/>
+                <a:ea typeface="苹方-简" panose="020B0400000000000000" charset="-122"/>
+              </a:rPr>
+              <a:t>过程：</a:t>
+            </a:r>
+            <a:endParaRPr lang="zh-CN" altLang="en-US" sz="2800">
+              <a:latin typeface="苹方-简" panose="020B0400000000000000" charset="-122"/>
+              <a:ea typeface="苹方-简" panose="020B0400000000000000" charset="-122"/>
+            </a:endParaRPr>
+          </a:p>
+        </p:txBody>
+      </p:sp>
+      <p:sp>
+        <p:nvSpPr>
+          <p:cNvPr id="4" name="文本框 3"/>
+          <p:cNvSpPr txBox="1"/>
+          <p:nvPr/>
+        </p:nvSpPr>
+        <p:spPr>
+          <a:xfrm>
+            <a:off x="320040" y="878205"/>
+            <a:ext cx="11313795" cy="368300"/>
+          </a:xfrm>
+          <a:prstGeom prst="rect">
+            <a:avLst/>
+          </a:prstGeom>
+          <a:noFill/>
+        </p:spPr>
+        <p:txBody>
+          <a:bodyPr wrap="square" rtlCol="0">
+            <a:spAutoFit/>
+          </a:bodyPr>
+          <a:p>
+            <a:pPr marL="342900" indent="-342900">
+              <a:buAutoNum type="arabicPeriod"/>
+            </a:pPr>
+            <a:endParaRPr lang="zh-CN" altLang="en-US">
+              <a:latin typeface="苹方-简" panose="020B0400000000000000" charset="-122"/>
+              <a:ea typeface="苹方-简" panose="020B0400000000000000" charset="-122"/>
+              <a:cs typeface="苹方-简" panose="020B0400000000000000" charset="-122"/>
+            </a:endParaRPr>
+          </a:p>
+        </p:txBody>
+      </p:sp>
+      <p:sp>
+        <p:nvSpPr>
+          <p:cNvPr id="6" name="文本框 5"/>
+          <p:cNvSpPr txBox="1"/>
+          <p:nvPr/>
+        </p:nvSpPr>
+        <p:spPr>
+          <a:xfrm>
+            <a:off x="320040" y="1933575"/>
+            <a:ext cx="5077460" cy="521970"/>
+          </a:xfrm>
+          <a:prstGeom prst="rect">
+            <a:avLst/>
+          </a:prstGeom>
+          <a:noFill/>
+        </p:spPr>
+        <p:txBody>
+          <a:bodyPr wrap="square" rtlCol="0">
+            <a:spAutoFit/>
+          </a:bodyPr>
+          <a:p>
+            <a:r>
+              <a:rPr lang="en-US" sz="2800">
+                <a:latin typeface="苹方-简" panose="020B0400000000000000" charset="-122"/>
+                <a:ea typeface="苹方-简" panose="020B0400000000000000" charset="-122"/>
+              </a:rPr>
+              <a:t>db.View</a:t>
+            </a:r>
+            <a:r>
+              <a:rPr lang="zh-CN" altLang="en-US" sz="2800">
+                <a:latin typeface="苹方-简" panose="020B0400000000000000" charset="-122"/>
+                <a:ea typeface="苹方-简" panose="020B0400000000000000" charset="-122"/>
+              </a:rPr>
+              <a:t>过程：</a:t>
+            </a:r>
+            <a:endParaRPr lang="zh-CN" altLang="en-US" sz="2800">
+              <a:latin typeface="苹方-简" panose="020B0400000000000000" charset="-122"/>
+              <a:ea typeface="苹方-简" panose="020B0400000000000000" charset="-122"/>
+            </a:endParaRPr>
+          </a:p>
+        </p:txBody>
+      </p:sp>
+      <p:sp>
+        <p:nvSpPr>
+          <p:cNvPr id="7" name="文本框 6"/>
+          <p:cNvSpPr txBox="1"/>
+          <p:nvPr/>
+        </p:nvSpPr>
+        <p:spPr>
+          <a:xfrm>
+            <a:off x="320040" y="2455545"/>
+            <a:ext cx="11313795" cy="922020"/>
+          </a:xfrm>
+          <a:prstGeom prst="rect">
+            <a:avLst/>
+          </a:prstGeom>
+          <a:noFill/>
+        </p:spPr>
+        <p:txBody>
+          <a:bodyPr wrap="square" rtlCol="0">
+            <a:spAutoFit/>
+          </a:bodyPr>
+          <a:p>
+            <a:pPr marL="342900" indent="-342900">
+              <a:buAutoNum type="arabicPeriod"/>
+            </a:pPr>
+            <a:r>
+              <a:rPr lang="en-US" altLang="zh-CN">
+                <a:latin typeface="苹方-简" panose="020B0400000000000000" charset="-122"/>
+                <a:ea typeface="苹方-简" panose="020B0400000000000000" charset="-122"/>
+                <a:cs typeface="苹方-简" panose="020B0400000000000000" charset="-122"/>
+              </a:rPr>
+              <a:t>t := db.Begin(false)</a:t>
+            </a:r>
+            <a:r>
+              <a:rPr lang="zh-CN" altLang="en-US">
+                <a:latin typeface="苹方-简" panose="020B0400000000000000" charset="-122"/>
+                <a:ea typeface="苹方-简" panose="020B0400000000000000" charset="-122"/>
+                <a:cs typeface="苹方-简" panose="020B0400000000000000" charset="-122"/>
+              </a:rPr>
+              <a:t>：创建一个只读事务；</a:t>
+            </a:r>
+            <a:endParaRPr lang="zh-CN" altLang="en-US">
+              <a:latin typeface="苹方-简" panose="020B0400000000000000" charset="-122"/>
+              <a:ea typeface="苹方-简" panose="020B0400000000000000" charset="-122"/>
+              <a:cs typeface="苹方-简" panose="020B0400000000000000" charset="-122"/>
+            </a:endParaRPr>
+          </a:p>
+          <a:p>
+            <a:pPr marL="342900" indent="-342900">
+              <a:buAutoNum type="arabicPeriod"/>
+            </a:pPr>
+            <a:r>
+              <a:rPr lang="en-US" altLang="zh-CN">
+                <a:latin typeface="苹方-简" panose="020B0400000000000000" charset="-122"/>
+                <a:ea typeface="苹方-简" panose="020B0400000000000000" charset="-122"/>
+                <a:cs typeface="苹方-简" panose="020B0400000000000000" charset="-122"/>
+              </a:rPr>
+              <a:t>fn(t)</a:t>
+            </a:r>
+            <a:r>
+              <a:rPr lang="zh-CN" altLang="en-US">
+                <a:latin typeface="苹方-简" panose="020B0400000000000000" charset="-122"/>
+                <a:ea typeface="苹方-简" panose="020B0400000000000000" charset="-122"/>
+                <a:cs typeface="苹方-简" panose="020B0400000000000000" charset="-122"/>
+              </a:rPr>
+              <a:t>：执行</a:t>
+            </a:r>
+            <a:r>
+              <a:rPr lang="en-US" altLang="zh-CN">
+                <a:latin typeface="苹方-简" panose="020B0400000000000000" charset="-122"/>
+                <a:ea typeface="苹方-简" panose="020B0400000000000000" charset="-122"/>
+                <a:cs typeface="苹方-简" panose="020B0400000000000000" charset="-122"/>
+              </a:rPr>
+              <a:t>db</a:t>
+            </a:r>
+            <a:r>
+              <a:rPr lang="zh-CN" altLang="en-US">
+                <a:latin typeface="苹方-简" panose="020B0400000000000000" charset="-122"/>
+                <a:ea typeface="苹方-简" panose="020B0400000000000000" charset="-122"/>
+                <a:cs typeface="苹方-简" panose="020B0400000000000000" charset="-122"/>
+              </a:rPr>
+              <a:t>的查询逻辑；</a:t>
+            </a:r>
+            <a:endParaRPr lang="zh-CN" altLang="en-US">
+              <a:latin typeface="苹方-简" panose="020B0400000000000000" charset="-122"/>
+              <a:ea typeface="苹方-简" panose="020B0400000000000000" charset="-122"/>
+              <a:cs typeface="苹方-简" panose="020B0400000000000000" charset="-122"/>
+            </a:endParaRPr>
+          </a:p>
+          <a:p>
+            <a:pPr marL="342900" indent="-342900">
+              <a:buAutoNum type="arabicPeriod"/>
+            </a:pPr>
+            <a:r>
+              <a:rPr lang="zh-CN" altLang="en-US">
+                <a:latin typeface="苹方-简" panose="020B0400000000000000" charset="-122"/>
+                <a:ea typeface="苹方-简" panose="020B0400000000000000" charset="-122"/>
+                <a:cs typeface="苹方-简" panose="020B0400000000000000" charset="-122"/>
+              </a:rPr>
+              <a:t>执行成功不需要</a:t>
+            </a:r>
+            <a:r>
+              <a:rPr lang="en-US" altLang="zh-CN">
+                <a:latin typeface="苹方-简" panose="020B0400000000000000" charset="-122"/>
+                <a:ea typeface="苹方-简" panose="020B0400000000000000" charset="-122"/>
+                <a:cs typeface="苹方-简" panose="020B0400000000000000" charset="-122"/>
+              </a:rPr>
+              <a:t>Commit()</a:t>
+            </a:r>
+            <a:r>
+              <a:rPr lang="zh-CN" altLang="en-US">
+                <a:latin typeface="苹方-简" panose="020B0400000000000000" charset="-122"/>
+                <a:ea typeface="苹方-简" panose="020B0400000000000000" charset="-122"/>
+                <a:cs typeface="苹方-简" panose="020B0400000000000000" charset="-122"/>
+              </a:rPr>
+              <a:t>；</a:t>
+            </a:r>
+            <a:r>
+              <a:rPr lang="en-US" altLang="zh-CN">
+                <a:latin typeface="苹方-简" panose="020B0400000000000000" charset="-122"/>
+                <a:ea typeface="苹方-简" panose="020B0400000000000000" charset="-122"/>
+                <a:cs typeface="苹方-简" panose="020B0400000000000000" charset="-122"/>
+              </a:rPr>
+              <a:t>fn</a:t>
+            </a:r>
+            <a:r>
+              <a:rPr lang="zh-CN" altLang="en-US">
+                <a:latin typeface="苹方-简" panose="020B0400000000000000" charset="-122"/>
+                <a:ea typeface="苹方-简" panose="020B0400000000000000" charset="-122"/>
+                <a:cs typeface="苹方-简" panose="020B0400000000000000" charset="-122"/>
+              </a:rPr>
+              <a:t>执行失败则执行</a:t>
+            </a:r>
+            <a:r>
+              <a:rPr lang="en-US" altLang="zh-CN">
+                <a:latin typeface="苹方-简" panose="020B0400000000000000" charset="-122"/>
+                <a:ea typeface="苹方-简" panose="020B0400000000000000" charset="-122"/>
+                <a:cs typeface="苹方-简" panose="020B0400000000000000" charset="-122"/>
+              </a:rPr>
+              <a:t>Rollback</a:t>
+            </a:r>
+            <a:r>
+              <a:rPr lang="zh-CN" altLang="en-US">
+                <a:latin typeface="苹方-简" panose="020B0400000000000000" charset="-122"/>
+                <a:ea typeface="苹方-简" panose="020B0400000000000000" charset="-122"/>
+                <a:cs typeface="苹方-简" panose="020B0400000000000000" charset="-122"/>
+              </a:rPr>
+              <a:t>操作。</a:t>
+            </a:r>
+            <a:endParaRPr lang="zh-CN" altLang="en-US">
+              <a:latin typeface="苹方-简" panose="020B0400000000000000" charset="-122"/>
+              <a:ea typeface="苹方-简" panose="020B0400000000000000" charset="-122"/>
+              <a:cs typeface="苹方-简" panose="020B0400000000000000" charset="-122"/>
+            </a:endParaRPr>
+          </a:p>
+        </p:txBody>
+      </p:sp>
+      <p:sp>
+        <p:nvSpPr>
+          <p:cNvPr id="2" name="文本框 1"/>
+          <p:cNvSpPr txBox="1"/>
+          <p:nvPr/>
+        </p:nvSpPr>
+        <p:spPr>
+          <a:xfrm>
+            <a:off x="253365" y="704850"/>
+            <a:ext cx="11001375" cy="922020"/>
+          </a:xfrm>
+          <a:prstGeom prst="rect">
+            <a:avLst/>
+          </a:prstGeom>
+          <a:noFill/>
+        </p:spPr>
+        <p:txBody>
+          <a:bodyPr wrap="square" rtlCol="0">
+            <a:spAutoFit/>
+          </a:bodyPr>
+          <a:p>
+            <a:pPr marL="342900" indent="-342900">
+              <a:buAutoNum type="arabicPeriod"/>
+            </a:pPr>
+            <a:r>
+              <a:rPr lang="zh-CN" altLang="en-US">
+                <a:latin typeface="苹方-简" panose="020B0400000000000000" charset="-122"/>
+                <a:ea typeface="苹方-简" panose="020B0400000000000000" charset="-122"/>
+                <a:cs typeface="苹方-简" panose="020B0400000000000000" charset="-122"/>
+              </a:rPr>
+              <a:t>创建</a:t>
+            </a:r>
+            <a:r>
+              <a:rPr lang="en-US" altLang="zh-CN">
+                <a:latin typeface="苹方-简" panose="020B0400000000000000" charset="-122"/>
+                <a:ea typeface="苹方-简" panose="020B0400000000000000" charset="-122"/>
+                <a:cs typeface="苹方-简" panose="020B0400000000000000" charset="-122"/>
+              </a:rPr>
+              <a:t>Bucket</a:t>
+            </a:r>
+            <a:r>
+              <a:rPr lang="zh-CN" altLang="en-US">
+                <a:latin typeface="苹方-简" panose="020B0400000000000000" charset="-122"/>
+                <a:ea typeface="苹方-简" panose="020B0400000000000000" charset="-122"/>
+                <a:cs typeface="苹方-简" panose="020B0400000000000000" charset="-122"/>
+              </a:rPr>
+              <a:t>，并根据</a:t>
+            </a:r>
+            <a:r>
+              <a:rPr lang="en-US" altLang="zh-CN">
+                <a:latin typeface="苹方-简" panose="020B0400000000000000" charset="-122"/>
+                <a:ea typeface="苹方-简" panose="020B0400000000000000" charset="-122"/>
+                <a:cs typeface="苹方-简" panose="020B0400000000000000" charset="-122"/>
+              </a:rPr>
+              <a:t>key</a:t>
+            </a:r>
+            <a:r>
+              <a:rPr lang="zh-CN" altLang="en-US">
+                <a:latin typeface="苹方-简" panose="020B0400000000000000" charset="-122"/>
+                <a:ea typeface="苹方-简" panose="020B0400000000000000" charset="-122"/>
+                <a:cs typeface="苹方-简" panose="020B0400000000000000" charset="-122"/>
+              </a:rPr>
+              <a:t>移动游标到合适的位置上；</a:t>
+            </a:r>
+            <a:endParaRPr lang="zh-CN" altLang="en-US">
+              <a:latin typeface="苹方-简" panose="020B0400000000000000" charset="-122"/>
+              <a:ea typeface="苹方-简" panose="020B0400000000000000" charset="-122"/>
+              <a:cs typeface="苹方-简" panose="020B0400000000000000" charset="-122"/>
+            </a:endParaRPr>
+          </a:p>
+          <a:p>
+            <a:pPr marL="342900" indent="-342900">
+              <a:buAutoNum type="arabicPeriod"/>
+            </a:pPr>
+            <a:r>
+              <a:rPr lang="zh-CN" altLang="en-US">
+                <a:latin typeface="苹方-简" panose="020B0400000000000000" charset="-122"/>
+                <a:ea typeface="苹方-简" panose="020B0400000000000000" charset="-122"/>
+                <a:cs typeface="苹方-简" panose="020B0400000000000000" charset="-122"/>
+              </a:rPr>
+              <a:t>检查</a:t>
+            </a:r>
+            <a:r>
+              <a:rPr lang="en-US" altLang="zh-CN">
+                <a:latin typeface="苹方-简" panose="020B0400000000000000" charset="-122"/>
+                <a:ea typeface="苹方-简" panose="020B0400000000000000" charset="-122"/>
+                <a:cs typeface="苹方-简" panose="020B0400000000000000" charset="-122"/>
+              </a:rPr>
+              <a:t>key-value</a:t>
+            </a:r>
+            <a:r>
+              <a:rPr lang="zh-CN" altLang="en-US">
+                <a:latin typeface="苹方-简" panose="020B0400000000000000" charset="-122"/>
+                <a:ea typeface="苹方-简" panose="020B0400000000000000" charset="-122"/>
+                <a:cs typeface="苹方-简" panose="020B0400000000000000" charset="-122"/>
+              </a:rPr>
+              <a:t>的合法性；</a:t>
+            </a:r>
+            <a:endParaRPr lang="zh-CN" altLang="en-US">
+              <a:latin typeface="苹方-简" panose="020B0400000000000000" charset="-122"/>
+              <a:ea typeface="苹方-简" panose="020B0400000000000000" charset="-122"/>
+              <a:cs typeface="苹方-简" panose="020B0400000000000000" charset="-122"/>
+            </a:endParaRPr>
+          </a:p>
+          <a:p>
+            <a:pPr marL="342900" indent="-342900">
+              <a:buAutoNum type="arabicPeriod"/>
+            </a:pPr>
+            <a:r>
+              <a:rPr lang="zh-CN" altLang="en-US">
+                <a:latin typeface="苹方-简" panose="020B0400000000000000" charset="-122"/>
+                <a:ea typeface="苹方-简" panose="020B0400000000000000" charset="-122"/>
+                <a:cs typeface="苹方-简" panose="020B0400000000000000" charset="-122"/>
+              </a:rPr>
+              <a:t>将数据写入到</a:t>
+            </a:r>
+            <a:r>
+              <a:rPr lang="en-US" altLang="zh-CN">
+                <a:latin typeface="苹方-简" panose="020B0400000000000000" charset="-122"/>
+                <a:ea typeface="苹方-简" panose="020B0400000000000000" charset="-122"/>
+                <a:cs typeface="苹方-简" panose="020B0400000000000000" charset="-122"/>
+              </a:rPr>
+              <a:t>node</a:t>
+            </a:r>
+            <a:r>
+              <a:rPr lang="zh-CN" altLang="en-US">
+                <a:latin typeface="苹方-简" panose="020B0400000000000000" charset="-122"/>
+                <a:ea typeface="苹方-简" panose="020B0400000000000000" charset="-122"/>
+                <a:cs typeface="苹方-简" panose="020B0400000000000000" charset="-122"/>
+              </a:rPr>
+              <a:t>对应的</a:t>
+            </a:r>
+            <a:r>
+              <a:rPr lang="en-US" altLang="zh-CN">
+                <a:latin typeface="苹方-简" panose="020B0400000000000000" charset="-122"/>
+                <a:ea typeface="苹方-简" panose="020B0400000000000000" charset="-122"/>
+                <a:cs typeface="苹方-简" panose="020B0400000000000000" charset="-122"/>
+              </a:rPr>
+              <a:t>inode</a:t>
+            </a:r>
+            <a:r>
+              <a:rPr lang="zh-CN" altLang="en-US">
+                <a:latin typeface="苹方-简" panose="020B0400000000000000" charset="-122"/>
+                <a:ea typeface="苹方-简" panose="020B0400000000000000" charset="-122"/>
+                <a:cs typeface="苹方-简" panose="020B0400000000000000" charset="-122"/>
+              </a:rPr>
+              <a:t>上。（这个过程会把</a:t>
+            </a:r>
+            <a:r>
+              <a:rPr lang="en-US" altLang="zh-CN">
+                <a:latin typeface="苹方-简" panose="020B0400000000000000" charset="-122"/>
+                <a:ea typeface="苹方-简" panose="020B0400000000000000" charset="-122"/>
+                <a:cs typeface="苹方-简" panose="020B0400000000000000" charset="-122"/>
+              </a:rPr>
+              <a:t>page</a:t>
+            </a:r>
+            <a:r>
+              <a:rPr lang="zh-CN" altLang="en-US">
+                <a:latin typeface="苹方-简" panose="020B0400000000000000" charset="-122"/>
+                <a:ea typeface="苹方-简" panose="020B0400000000000000" charset="-122"/>
+                <a:cs typeface="苹方-简" panose="020B0400000000000000" charset="-122"/>
+              </a:rPr>
+              <a:t>实例化成</a:t>
+            </a:r>
+            <a:r>
+              <a:rPr lang="en-US" altLang="zh-CN">
+                <a:latin typeface="苹方-简" panose="020B0400000000000000" charset="-122"/>
+                <a:ea typeface="苹方-简" panose="020B0400000000000000" charset="-122"/>
+                <a:cs typeface="苹方-简" panose="020B0400000000000000" charset="-122"/>
+              </a:rPr>
+              <a:t>node</a:t>
+            </a:r>
+            <a:r>
+              <a:rPr lang="zh-CN" altLang="en-US">
+                <a:latin typeface="苹方-简" panose="020B0400000000000000" charset="-122"/>
+                <a:ea typeface="苹方-简" panose="020B0400000000000000" charset="-122"/>
+                <a:cs typeface="苹方-简" panose="020B0400000000000000" charset="-122"/>
+              </a:rPr>
+              <a:t>）</a:t>
+            </a:r>
+            <a:endParaRPr lang="zh-CN" altLang="en-US">
+              <a:latin typeface="苹方-简" panose="020B0400000000000000" charset="-122"/>
+              <a:ea typeface="苹方-简" panose="020B0400000000000000" charset="-122"/>
+              <a:cs typeface="苹方-简" panose="020B0400000000000000" charset="-122"/>
+            </a:endParaRPr>
+          </a:p>
+        </p:txBody>
+      </p:sp>
+    </p:spTree>
+  </p:cSld>
+  <p:clrMapOvr>
+    <a:masterClrMapping/>
+  </p:clrMapOvr>
+</p:sld>
+</file>
+
+<file path=ppt/slides/slide5.xml><?xml version="1.0" encoding="utf-8"?>
 <p:sld xmlns:a="http://schemas.openxmlformats.org/drawingml/2006/main" xmlns:r="http://schemas.openxmlformats.org/officeDocument/2006/relationships" xmlns:p="http://schemas.openxmlformats.org/presentationml/2006/main">
   <p:cSld>
     <p:spTree>
@@ -7281,7 +9464,7 @@
 </p:sld>
 </file>
 
-<file path=ppt/slides/slide4.xml><?xml version="1.0" encoding="utf-8"?>
+<file path=ppt/slides/slide6.xml><?xml version="1.0" encoding="utf-8"?>
 <p:sld xmlns:a="http://schemas.openxmlformats.org/drawingml/2006/main" xmlns:r="http://schemas.openxmlformats.org/officeDocument/2006/relationships" xmlns:p="http://schemas.openxmlformats.org/presentationml/2006/main">
   <p:cSld>
     <p:spTree>
@@ -7939,7 +10122,7 @@
 </p:sld>
 </file>
 
-<file path=ppt/slides/slide5.xml><?xml version="1.0" encoding="utf-8"?>
+<file path=ppt/slides/slide7.xml><?xml version="1.0" encoding="utf-8"?>
 <p:sld xmlns:a="http://schemas.openxmlformats.org/drawingml/2006/main" xmlns:r="http://schemas.openxmlformats.org/officeDocument/2006/relationships" xmlns:p="http://schemas.openxmlformats.org/presentationml/2006/main">
   <p:cSld>
     <p:spTree>
@@ -11288,7 +13471,7 @@
 </p:sld>
 </file>
 
-<file path=ppt/slides/slide6.xml><?xml version="1.0" encoding="utf-8"?>
+<file path=ppt/slides/slide8.xml><?xml version="1.0" encoding="utf-8"?>
 <p:sld xmlns:a="http://schemas.openxmlformats.org/drawingml/2006/main" xmlns:r="http://schemas.openxmlformats.org/officeDocument/2006/relationships" xmlns:p="http://schemas.openxmlformats.org/presentationml/2006/main">
   <p:cSld>
     <p:spTree>
@@ -11372,7 +13555,7 @@
 </p:sld>
 </file>
 
-<file path=ppt/slides/slide7.xml><?xml version="1.0" encoding="utf-8"?>
+<file path=ppt/slides/slide9.xml><?xml version="1.0" encoding="utf-8"?>
 <p:sld xmlns:a="http://schemas.openxmlformats.org/drawingml/2006/main" xmlns:r="http://schemas.openxmlformats.org/officeDocument/2006/relationships" xmlns:p="http://schemas.openxmlformats.org/presentationml/2006/main">
   <p:cSld>
     <p:spTree>
@@ -15538,753 +17721,6 @@
 </p:sld>
 </file>
 
-<file path=ppt/slides/slide8.xml><?xml version="1.0" encoding="utf-8"?>
-<p:sld xmlns:a="http://schemas.openxmlformats.org/drawingml/2006/main" xmlns:r="http://schemas.openxmlformats.org/officeDocument/2006/relationships" xmlns:p="http://schemas.openxmlformats.org/presentationml/2006/main">
-  <p:cSld>
-    <p:spTree>
-      <p:nvGrpSpPr>
-        <p:cNvPr id="1" name=""/>
-        <p:cNvGrpSpPr/>
-        <p:nvPr/>
-      </p:nvGrpSpPr>
-      <p:grpSpPr/>
-      <p:sp>
-        <p:nvSpPr>
-          <p:cNvPr id="5" name="文本框 4"/>
-          <p:cNvSpPr txBox="1"/>
-          <p:nvPr/>
-        </p:nvSpPr>
-        <p:spPr>
-          <a:xfrm>
-            <a:off x="245110" y="182880"/>
-            <a:ext cx="5077460" cy="521970"/>
-          </a:xfrm>
-          <a:prstGeom prst="rect">
-            <a:avLst/>
-          </a:prstGeom>
-          <a:noFill/>
-        </p:spPr>
-        <p:txBody>
-          <a:bodyPr wrap="square" rtlCol="0">
-            <a:spAutoFit/>
-          </a:bodyPr>
-          <a:p>
-            <a:r>
-              <a:rPr lang="en-US" altLang="zh-CN" sz="2800">
-                <a:latin typeface="苹方-简" panose="020B0400000000000000" charset="-122"/>
-                <a:ea typeface="苹方-简" panose="020B0400000000000000" charset="-122"/>
-              </a:rPr>
-              <a:t>Bucket</a:t>
-            </a:r>
-            <a:r>
-              <a:rPr lang="zh-CN" altLang="en-US" sz="2800">
-                <a:latin typeface="苹方-简" panose="020B0400000000000000" charset="-122"/>
-                <a:ea typeface="苹方-简" panose="020B0400000000000000" charset="-122"/>
-              </a:rPr>
-              <a:t>数据结构：</a:t>
-            </a:r>
-            <a:endParaRPr lang="zh-CN" altLang="en-US" sz="2800">
-              <a:latin typeface="苹方-简" panose="020B0400000000000000" charset="-122"/>
-              <a:ea typeface="苹方-简" panose="020B0400000000000000" charset="-122"/>
-            </a:endParaRPr>
-          </a:p>
-        </p:txBody>
-      </p:sp>
-      <p:sp>
-        <p:nvSpPr>
-          <p:cNvPr id="4" name="文本框 3"/>
-          <p:cNvSpPr txBox="1"/>
-          <p:nvPr/>
-        </p:nvSpPr>
-        <p:spPr>
-          <a:xfrm>
-            <a:off x="245110" y="994410"/>
-            <a:ext cx="11565255" cy="3415030"/>
-          </a:xfrm>
-          <a:prstGeom prst="rect">
-            <a:avLst/>
-          </a:prstGeom>
-          <a:noFill/>
-        </p:spPr>
-        <p:txBody>
-          <a:bodyPr wrap="square" rtlCol="0">
-            <a:spAutoFit/>
-          </a:bodyPr>
-          <a:p>
-            <a:pPr marL="285750" indent="-285750">
-              <a:buFont typeface="Arial" panose="020B0604020202090204" pitchFamily="34" charset="0"/>
-              <a:buChar char="•"/>
-            </a:pPr>
-            <a:r>
-              <a:rPr lang="zh-CN" altLang="en-US">
-                <a:latin typeface="苹方-简" panose="020B0400000000000000" charset="-122"/>
-                <a:ea typeface="苹方-简" panose="020B0400000000000000" charset="-122"/>
-              </a:rPr>
-              <a:t>图中展示了</a:t>
-            </a:r>
-            <a:r>
-              <a:rPr lang="en-US" altLang="zh-CN">
-                <a:latin typeface="苹方-简" panose="020B0400000000000000" charset="-122"/>
-                <a:ea typeface="苹方-简" panose="020B0400000000000000" charset="-122"/>
-              </a:rPr>
-              <a:t>5</a:t>
-            </a:r>
-            <a:r>
-              <a:rPr lang="zh-CN" altLang="en-US">
-                <a:latin typeface="苹方-简" panose="020B0400000000000000" charset="-122"/>
-                <a:ea typeface="苹方-简" panose="020B0400000000000000" charset="-122"/>
-              </a:rPr>
-              <a:t>个</a:t>
-            </a:r>
-            <a:r>
-              <a:rPr lang="en-US" altLang="zh-CN">
-                <a:latin typeface="苹方-简" panose="020B0400000000000000" charset="-122"/>
-                <a:ea typeface="苹方-简" panose="020B0400000000000000" charset="-122"/>
-              </a:rPr>
-              <a:t>Bucket</a:t>
-            </a:r>
-            <a:r>
-              <a:rPr lang="zh-CN" altLang="en-US">
-                <a:latin typeface="苹方-简" panose="020B0400000000000000" charset="-122"/>
-                <a:ea typeface="苹方-简" panose="020B0400000000000000" charset="-122"/>
-              </a:rPr>
-              <a:t>：</a:t>
-            </a:r>
-            <a:r>
-              <a:rPr lang="en-US" altLang="zh-CN">
-                <a:latin typeface="苹方-简" panose="020B0400000000000000" charset="-122"/>
-                <a:ea typeface="苹方-简" panose="020B0400000000000000" charset="-122"/>
-              </a:rPr>
-              <a:t>root Bucket, BucketA, BucketB, BucketAA</a:t>
-            </a:r>
-            <a:r>
-              <a:rPr lang="zh-CN" altLang="en-US">
-                <a:latin typeface="苹方-简" panose="020B0400000000000000" charset="-122"/>
-                <a:ea typeface="苹方-简" panose="020B0400000000000000" charset="-122"/>
-              </a:rPr>
-              <a:t>以及</a:t>
-            </a:r>
-            <a:r>
-              <a:rPr lang="en-US" altLang="zh-CN">
-                <a:latin typeface="苹方-简" panose="020B0400000000000000" charset="-122"/>
-                <a:ea typeface="苹方-简" panose="020B0400000000000000" charset="-122"/>
-              </a:rPr>
-              <a:t>BucketBB</a:t>
-            </a:r>
-            <a:r>
-              <a:rPr lang="zh-CN" altLang="en-US">
-                <a:latin typeface="苹方-简" panose="020B0400000000000000" charset="-122"/>
-                <a:ea typeface="苹方-简" panose="020B0400000000000000" charset="-122"/>
-              </a:rPr>
-              <a:t>；</a:t>
-            </a:r>
-            <a:endParaRPr lang="zh-CN" altLang="en-US">
-              <a:latin typeface="苹方-简" panose="020B0400000000000000" charset="-122"/>
-              <a:ea typeface="苹方-简" panose="020B0400000000000000" charset="-122"/>
-            </a:endParaRPr>
-          </a:p>
-          <a:p>
-            <a:pPr marL="285750" indent="-285750">
-              <a:buFont typeface="Arial" panose="020B0604020202090204" pitchFamily="34" charset="0"/>
-              <a:buChar char="•"/>
-            </a:pPr>
-            <a:r>
-              <a:rPr lang="en-US" altLang="zh-CN">
-                <a:latin typeface="苹方-简" panose="020B0400000000000000" charset="-122"/>
-                <a:ea typeface="苹方-简" panose="020B0400000000000000" charset="-122"/>
-              </a:rPr>
-              <a:t>BucketA</a:t>
-            </a:r>
-            <a:r>
-              <a:rPr lang="zh-CN" altLang="en-US">
-                <a:latin typeface="苹方-简" panose="020B0400000000000000" charset="-122"/>
-                <a:ea typeface="苹方-简" panose="020B0400000000000000" charset="-122"/>
-              </a:rPr>
-              <a:t>和</a:t>
-            </a:r>
-            <a:r>
-              <a:rPr lang="en-US" altLang="zh-CN">
-                <a:latin typeface="苹方-简" panose="020B0400000000000000" charset="-122"/>
-                <a:ea typeface="苹方-简" panose="020B0400000000000000" charset="-122"/>
-              </a:rPr>
-              <a:t>BucketB</a:t>
-            </a:r>
-            <a:r>
-              <a:rPr lang="zh-CN" altLang="en-US">
-                <a:latin typeface="苹方-简" panose="020B0400000000000000" charset="-122"/>
-                <a:ea typeface="苹方-简" panose="020B0400000000000000" charset="-122"/>
-              </a:rPr>
-              <a:t>都是</a:t>
-            </a:r>
-            <a:r>
-              <a:rPr lang="en-US" altLang="zh-CN">
-                <a:latin typeface="苹方-简" panose="020B0400000000000000" charset="-122"/>
-                <a:ea typeface="苹方-简" panose="020B0400000000000000" charset="-122"/>
-              </a:rPr>
-              <a:t>root Bucket</a:t>
-            </a:r>
-            <a:r>
-              <a:rPr lang="zh-CN" altLang="en-US">
-                <a:latin typeface="苹方-简" panose="020B0400000000000000" charset="-122"/>
-                <a:ea typeface="苹方-简" panose="020B0400000000000000" charset="-122"/>
-              </a:rPr>
-              <a:t>的子</a:t>
-            </a:r>
-            <a:r>
-              <a:rPr lang="en-US" altLang="zh-CN">
-                <a:latin typeface="苹方-简" panose="020B0400000000000000" charset="-122"/>
-                <a:ea typeface="苹方-简" panose="020B0400000000000000" charset="-122"/>
-              </a:rPr>
-              <a:t>Bucket</a:t>
-            </a:r>
-            <a:r>
-              <a:rPr lang="zh-CN" altLang="en-US">
-                <a:latin typeface="苹方-简" panose="020B0400000000000000" charset="-122"/>
-                <a:ea typeface="苹方-简" panose="020B0400000000000000" charset="-122"/>
-              </a:rPr>
-              <a:t>，它们嵌套在</a:t>
-            </a:r>
-            <a:r>
-              <a:rPr lang="en-US" altLang="zh-CN">
-                <a:latin typeface="苹方-简" panose="020B0400000000000000" charset="-122"/>
-                <a:ea typeface="苹方-简" panose="020B0400000000000000" charset="-122"/>
-              </a:rPr>
-              <a:t>root Bucket</a:t>
-            </a:r>
-            <a:r>
-              <a:rPr lang="zh-CN" altLang="en-US">
-                <a:latin typeface="苹方-简" panose="020B0400000000000000" charset="-122"/>
-                <a:ea typeface="苹方-简" panose="020B0400000000000000" charset="-122"/>
-              </a:rPr>
-              <a:t>中，</a:t>
-            </a:r>
-            <a:r>
-              <a:rPr lang="en-US" altLang="zh-CN">
-                <a:latin typeface="苹方-简" panose="020B0400000000000000" charset="-122"/>
-                <a:ea typeface="苹方-简" panose="020B0400000000000000" charset="-122"/>
-              </a:rPr>
-              <a:t>BucketAA</a:t>
-            </a:r>
-            <a:r>
-              <a:rPr lang="zh-CN" altLang="en-US">
-                <a:latin typeface="苹方-简" panose="020B0400000000000000" charset="-122"/>
-                <a:ea typeface="苹方-简" panose="020B0400000000000000" charset="-122"/>
-              </a:rPr>
-              <a:t>是</a:t>
-            </a:r>
-            <a:r>
-              <a:rPr lang="en-US" altLang="zh-CN">
-                <a:latin typeface="苹方-简" panose="020B0400000000000000" charset="-122"/>
-                <a:ea typeface="苹方-简" panose="020B0400000000000000" charset="-122"/>
-              </a:rPr>
-              <a:t>BucketA</a:t>
-            </a:r>
-            <a:r>
-              <a:rPr lang="zh-CN" altLang="en-US">
-                <a:latin typeface="苹方-简" panose="020B0400000000000000" charset="-122"/>
-                <a:ea typeface="苹方-简" panose="020B0400000000000000" charset="-122"/>
-              </a:rPr>
-              <a:t>的嵌套子</a:t>
-            </a:r>
-            <a:r>
-              <a:rPr lang="en-US" altLang="zh-CN">
-                <a:latin typeface="苹方-简" panose="020B0400000000000000" charset="-122"/>
-                <a:ea typeface="苹方-简" panose="020B0400000000000000" charset="-122"/>
-              </a:rPr>
-              <a:t>Bucket</a:t>
-            </a:r>
-            <a:r>
-              <a:rPr lang="zh-CN" altLang="en-US">
-                <a:latin typeface="苹方-简" panose="020B0400000000000000" charset="-122"/>
-                <a:ea typeface="苹方-简" panose="020B0400000000000000" charset="-122"/>
-              </a:rPr>
-              <a:t>，</a:t>
-            </a:r>
-            <a:r>
-              <a:rPr lang="en-US" altLang="zh-CN">
-                <a:latin typeface="苹方-简" panose="020B0400000000000000" charset="-122"/>
-                <a:ea typeface="苹方-简" panose="020B0400000000000000" charset="-122"/>
-              </a:rPr>
-              <a:t>BucketBB</a:t>
-            </a:r>
-            <a:r>
-              <a:rPr lang="zh-CN" altLang="en-US">
-                <a:latin typeface="苹方-简" panose="020B0400000000000000" charset="-122"/>
-                <a:ea typeface="苹方-简" panose="020B0400000000000000" charset="-122"/>
-              </a:rPr>
-              <a:t>是</a:t>
-            </a:r>
-            <a:r>
-              <a:rPr lang="en-US" altLang="zh-CN">
-                <a:latin typeface="苹方-简" panose="020B0400000000000000" charset="-122"/>
-                <a:ea typeface="苹方-简" panose="020B0400000000000000" charset="-122"/>
-              </a:rPr>
-              <a:t>BucketB</a:t>
-            </a:r>
-            <a:r>
-              <a:rPr lang="zh-CN" altLang="en-US">
-                <a:latin typeface="苹方-简" panose="020B0400000000000000" charset="-122"/>
-                <a:ea typeface="苹方-简" panose="020B0400000000000000" charset="-122"/>
-              </a:rPr>
-              <a:t>的嵌套子</a:t>
-            </a:r>
-            <a:r>
-              <a:rPr lang="en-US" altLang="zh-CN">
-                <a:latin typeface="苹方-简" panose="020B0400000000000000" charset="-122"/>
-                <a:ea typeface="苹方-简" panose="020B0400000000000000" charset="-122"/>
-              </a:rPr>
-              <a:t>Bucket</a:t>
-            </a:r>
-            <a:r>
-              <a:rPr lang="zh-CN" altLang="en-US">
-                <a:latin typeface="苹方-简" panose="020B0400000000000000" charset="-122"/>
-                <a:ea typeface="苹方-简" panose="020B0400000000000000" charset="-122"/>
-              </a:rPr>
-              <a:t>，而且</a:t>
-            </a:r>
-            <a:r>
-              <a:rPr lang="en-US" altLang="zh-CN">
-                <a:latin typeface="苹方-简" panose="020B0400000000000000" charset="-122"/>
-                <a:ea typeface="苹方-简" panose="020B0400000000000000" charset="-122"/>
-              </a:rPr>
-              <a:t>BucketBB</a:t>
-            </a:r>
-            <a:r>
-              <a:rPr lang="zh-CN" altLang="en-US">
-                <a:latin typeface="苹方-简" panose="020B0400000000000000" charset="-122"/>
-                <a:ea typeface="苹方-简" panose="020B0400000000000000" charset="-122"/>
-              </a:rPr>
-              <a:t>是</a:t>
-            </a:r>
-            <a:r>
-              <a:rPr lang="en-US" altLang="zh-CN">
-                <a:latin typeface="苹方-简" panose="020B0400000000000000" charset="-122"/>
-                <a:ea typeface="苹方-简" panose="020B0400000000000000" charset="-122"/>
-              </a:rPr>
-              <a:t>BucketB</a:t>
-            </a:r>
-            <a:r>
-              <a:rPr lang="zh-CN" altLang="en-US">
-                <a:latin typeface="苹方-简" panose="020B0400000000000000" charset="-122"/>
-                <a:ea typeface="苹方-简" panose="020B0400000000000000" charset="-122"/>
-              </a:rPr>
-              <a:t>的嵌套子</a:t>
-            </a:r>
-            <a:r>
-              <a:rPr lang="en-US" altLang="zh-CN">
-                <a:latin typeface="苹方-简" panose="020B0400000000000000" charset="-122"/>
-                <a:ea typeface="苹方-简" panose="020B0400000000000000" charset="-122"/>
-              </a:rPr>
-              <a:t>Bucket</a:t>
-            </a:r>
-            <a:r>
-              <a:rPr lang="zh-CN" altLang="en-US">
-                <a:latin typeface="苹方-简" panose="020B0400000000000000" charset="-122"/>
-                <a:ea typeface="苹方-简" panose="020B0400000000000000" charset="-122"/>
-              </a:rPr>
-              <a:t>；</a:t>
-            </a:r>
-            <a:endParaRPr lang="zh-CN" altLang="en-US">
-              <a:latin typeface="苹方-简" panose="020B0400000000000000" charset="-122"/>
-              <a:ea typeface="苹方-简" panose="020B0400000000000000" charset="-122"/>
-            </a:endParaRPr>
-          </a:p>
-          <a:p>
-            <a:pPr marL="285750" indent="-285750">
-              <a:buFont typeface="Arial" panose="020B0604020202090204" pitchFamily="34" charset="0"/>
-              <a:buChar char="•"/>
-            </a:pPr>
-            <a:r>
-              <a:rPr lang="zh-CN" altLang="en-US">
-                <a:latin typeface="苹方-简" panose="020B0400000000000000" charset="-122"/>
-                <a:ea typeface="苹方-简" panose="020B0400000000000000" charset="-122"/>
-              </a:rPr>
-              <a:t>嵌套</a:t>
-            </a:r>
-            <a:r>
-              <a:rPr lang="en-US" altLang="zh-CN">
-                <a:latin typeface="苹方-简" panose="020B0400000000000000" charset="-122"/>
-                <a:ea typeface="苹方-简" panose="020B0400000000000000" charset="-122"/>
-              </a:rPr>
-              <a:t>Bucket</a:t>
-            </a:r>
-            <a:r>
-              <a:rPr lang="zh-CN" altLang="en-US">
-                <a:latin typeface="苹方-简" panose="020B0400000000000000" charset="-122"/>
-                <a:ea typeface="苹方-简" panose="020B0400000000000000" charset="-122"/>
-              </a:rPr>
-              <a:t>形成父子关系，从而所有</a:t>
-            </a:r>
-            <a:r>
-              <a:rPr lang="en-US" altLang="zh-CN">
-                <a:latin typeface="苹方-简" panose="020B0400000000000000" charset="-122"/>
-                <a:ea typeface="苹方-简" panose="020B0400000000000000" charset="-122"/>
-              </a:rPr>
-              <a:t>Bucket</a:t>
-            </a:r>
-            <a:r>
-              <a:rPr lang="zh-CN" altLang="en-US">
-                <a:latin typeface="苹方-简" panose="020B0400000000000000" charset="-122"/>
-                <a:ea typeface="苹方-简" panose="020B0400000000000000" charset="-122"/>
-              </a:rPr>
-              <a:t>形成树结构，通过根</a:t>
-            </a:r>
-            <a:r>
-              <a:rPr lang="en-US" altLang="zh-CN">
-                <a:latin typeface="苹方-简" panose="020B0400000000000000" charset="-122"/>
-                <a:ea typeface="苹方-简" panose="020B0400000000000000" charset="-122"/>
-              </a:rPr>
-              <a:t>Bucket</a:t>
-            </a:r>
-            <a:r>
-              <a:rPr lang="zh-CN" altLang="en-US">
-                <a:latin typeface="苹方-简" panose="020B0400000000000000" charset="-122"/>
-                <a:ea typeface="苹方-简" panose="020B0400000000000000" charset="-122"/>
-              </a:rPr>
-              <a:t>可以遍历所有子</a:t>
-            </a:r>
-            <a:r>
-              <a:rPr lang="en-US" altLang="zh-CN">
-                <a:latin typeface="苹方-简" panose="020B0400000000000000" charset="-122"/>
-                <a:ea typeface="苹方-简" panose="020B0400000000000000" charset="-122"/>
-              </a:rPr>
-              <a:t>Bucket</a:t>
-            </a:r>
-            <a:r>
-              <a:rPr lang="zh-CN" altLang="en-US">
-                <a:latin typeface="苹方-简" panose="020B0400000000000000" charset="-122"/>
-                <a:ea typeface="苹方-简" panose="020B0400000000000000" charset="-122"/>
-              </a:rPr>
-              <a:t>，但是请注意，</a:t>
-            </a:r>
-            <a:r>
-              <a:rPr lang="en-US" altLang="zh-CN">
-                <a:latin typeface="苹方-简" panose="020B0400000000000000" charset="-122"/>
-                <a:ea typeface="苹方-简" panose="020B0400000000000000" charset="-122"/>
-              </a:rPr>
-              <a:t>Bucket</a:t>
-            </a:r>
-            <a:r>
-              <a:rPr lang="zh-CN" altLang="en-US">
-                <a:latin typeface="苹方-简" panose="020B0400000000000000" charset="-122"/>
-                <a:ea typeface="苹方-简" panose="020B0400000000000000" charset="-122"/>
-              </a:rPr>
-              <a:t>之间的树结构并不是</a:t>
-            </a:r>
-            <a:r>
-              <a:rPr lang="en-US" altLang="zh-CN">
-                <a:latin typeface="苹方-简" panose="020B0400000000000000" charset="-122"/>
-                <a:ea typeface="苹方-简" panose="020B0400000000000000" charset="-122"/>
-              </a:rPr>
-              <a:t>B+</a:t>
-            </a:r>
-            <a:r>
-              <a:rPr lang="zh-CN" altLang="en-US">
-                <a:latin typeface="苹方-简" panose="020B0400000000000000" charset="-122"/>
-                <a:ea typeface="苹方-简" panose="020B0400000000000000" charset="-122"/>
-              </a:rPr>
-              <a:t>树结构，而是一个逻辑树结构，如</a:t>
-            </a:r>
-            <a:r>
-              <a:rPr lang="en-US" altLang="zh-CN">
-                <a:latin typeface="苹方-简" panose="020B0400000000000000" charset="-122"/>
-                <a:ea typeface="苹方-简" panose="020B0400000000000000" charset="-122"/>
-              </a:rPr>
-              <a:t>BucketBB</a:t>
-            </a:r>
-            <a:r>
-              <a:rPr lang="zh-CN" altLang="en-US">
-                <a:latin typeface="苹方-简" panose="020B0400000000000000" charset="-122"/>
-                <a:ea typeface="苹方-简" panose="020B0400000000000000" charset="-122"/>
-              </a:rPr>
-              <a:t>是</a:t>
-            </a:r>
-            <a:r>
-              <a:rPr lang="en-US" altLang="zh-CN">
-                <a:latin typeface="苹方-简" panose="020B0400000000000000" charset="-122"/>
-                <a:ea typeface="苹方-简" panose="020B0400000000000000" charset="-122"/>
-              </a:rPr>
-              <a:t>BucketB</a:t>
-            </a:r>
-            <a:r>
-              <a:rPr lang="zh-CN" altLang="en-US">
-                <a:latin typeface="苹方-简" panose="020B0400000000000000" charset="-122"/>
-                <a:ea typeface="苹方-简" panose="020B0400000000000000" charset="-122"/>
-              </a:rPr>
-              <a:t>的子</a:t>
-            </a:r>
-            <a:r>
-              <a:rPr lang="en-US" altLang="zh-CN">
-                <a:latin typeface="苹方-简" panose="020B0400000000000000" charset="-122"/>
-                <a:ea typeface="苹方-简" panose="020B0400000000000000" charset="-122"/>
-              </a:rPr>
-              <a:t>Bucket</a:t>
-            </a:r>
-            <a:r>
-              <a:rPr lang="zh-CN" altLang="en-US">
-                <a:latin typeface="苹方-简" panose="020B0400000000000000" charset="-122"/>
-                <a:ea typeface="苹方-简" panose="020B0400000000000000" charset="-122"/>
-              </a:rPr>
-              <a:t>，但并不是说</a:t>
-            </a:r>
-            <a:r>
-              <a:rPr lang="en-US" altLang="zh-CN">
-                <a:latin typeface="苹方-简" panose="020B0400000000000000" charset="-122"/>
-                <a:ea typeface="苹方-简" panose="020B0400000000000000" charset="-122"/>
-              </a:rPr>
-              <a:t>BucketBB</a:t>
-            </a:r>
-            <a:r>
-              <a:rPr lang="zh-CN" altLang="en-US">
-                <a:latin typeface="苹方-简" panose="020B0400000000000000" charset="-122"/>
-                <a:ea typeface="苹方-简" panose="020B0400000000000000" charset="-122"/>
-              </a:rPr>
-              <a:t>所在的节点就是</a:t>
-            </a:r>
-            <a:r>
-              <a:rPr lang="en-US" altLang="zh-CN">
-                <a:latin typeface="苹方-简" panose="020B0400000000000000" charset="-122"/>
-                <a:ea typeface="苹方-简" panose="020B0400000000000000" charset="-122"/>
-              </a:rPr>
-              <a:t>BucketB</a:t>
-            </a:r>
-            <a:r>
-              <a:rPr lang="zh-CN" altLang="en-US">
-                <a:latin typeface="苹方-简" panose="020B0400000000000000" charset="-122"/>
-                <a:ea typeface="苹方-简" panose="020B0400000000000000" charset="-122"/>
-              </a:rPr>
-              <a:t>所在节点的子节点。</a:t>
-            </a:r>
-            <a:endParaRPr lang="zh-CN" altLang="en-US">
-              <a:latin typeface="苹方-简" panose="020B0400000000000000" charset="-122"/>
-              <a:ea typeface="苹方-简" panose="020B0400000000000000" charset="-122"/>
-            </a:endParaRPr>
-          </a:p>
-          <a:p>
-            <a:pPr marL="285750" indent="-285750">
-              <a:buFont typeface="Arial" panose="020B0604020202090204" pitchFamily="34" charset="0"/>
-              <a:buChar char="•"/>
-            </a:pPr>
-            <a:r>
-              <a:rPr lang="zh-CN" altLang="en-US">
-                <a:latin typeface="苹方-简" panose="020B0400000000000000" charset="-122"/>
-                <a:ea typeface="苹方-简" panose="020B0400000000000000" charset="-122"/>
-              </a:rPr>
-              <a:t>每一个</a:t>
-            </a:r>
-            <a:r>
-              <a:rPr lang="en-US" altLang="zh-CN">
-                <a:latin typeface="苹方-简" panose="020B0400000000000000" charset="-122"/>
-                <a:ea typeface="苹方-简" panose="020B0400000000000000" charset="-122"/>
-              </a:rPr>
-              <a:t>Bucket</a:t>
-            </a:r>
-            <a:r>
-              <a:rPr lang="zh-CN" altLang="en-US">
-                <a:latin typeface="苹方-简" panose="020B0400000000000000" charset="-122"/>
-                <a:ea typeface="苹方-简" panose="020B0400000000000000" charset="-122"/>
-              </a:rPr>
-              <a:t>都对应一颗</a:t>
-            </a:r>
-            <a:r>
-              <a:rPr lang="en-US" altLang="zh-CN">
-                <a:latin typeface="苹方-简" panose="020B0400000000000000" charset="-122"/>
-                <a:ea typeface="苹方-简" panose="020B0400000000000000" charset="-122"/>
-              </a:rPr>
-              <a:t>B+</a:t>
-            </a:r>
-            <a:r>
-              <a:rPr lang="zh-CN" altLang="en-US">
-                <a:latin typeface="苹方-简" panose="020B0400000000000000" charset="-122"/>
-                <a:ea typeface="苹方-简" panose="020B0400000000000000" charset="-122"/>
-              </a:rPr>
-              <a:t>树，在B+Tree中，一个节点中的Key的数量如果大于节点Key数量的最大值 x 填充率的话，节点会分裂(split)成两个节点，并向父节点添加一个Key和Pointer，添加后如果父节点也需要分裂的话那就进行分裂直到根节点；为了尽量减少节点分裂的情况，可以对B+Tree进行旋转(rotation)或者再平衡(rebalance)：如果一个节点中的Key的数量小于设定的节点Key数量的最小值的话，那就将其兄弟节点中的Key移动到该节点，移动后产生的空节点将被删除，直到所有节点满足Key数量大于节点Key数量最小值。</a:t>
-            </a:r>
-            <a:endParaRPr lang="zh-CN" altLang="en-US">
-              <a:latin typeface="苹方-简" panose="020B0400000000000000" charset="-122"/>
-              <a:ea typeface="苹方-简" panose="020B0400000000000000" charset="-122"/>
-            </a:endParaRPr>
-          </a:p>
-          <a:p>
-            <a:pPr marL="285750" indent="-285750">
-              <a:buFont typeface="Arial" panose="020B0604020202090204" pitchFamily="34" charset="0"/>
-              <a:buChar char="•"/>
-            </a:pPr>
-            <a:endParaRPr lang="zh-CN" altLang="en-US">
-              <a:latin typeface="苹方-简" panose="020B0400000000000000" charset="-122"/>
-              <a:ea typeface="苹方-简" panose="020B0400000000000000" charset="-122"/>
-            </a:endParaRPr>
-          </a:p>
-        </p:txBody>
-      </p:sp>
-    </p:spTree>
-  </p:cSld>
-  <p:clrMapOvr>
-    <a:masterClrMapping/>
-  </p:clrMapOvr>
-</p:sld>
-</file>
-
-<file path=ppt/slides/slide9.xml><?xml version="1.0" encoding="utf-8"?>
-<p:sld xmlns:a="http://schemas.openxmlformats.org/drawingml/2006/main" xmlns:r="http://schemas.openxmlformats.org/officeDocument/2006/relationships" xmlns:p="http://schemas.openxmlformats.org/presentationml/2006/main">
-  <p:cSld>
-    <p:spTree>
-      <p:nvGrpSpPr>
-        <p:cNvPr id="1" name=""/>
-        <p:cNvGrpSpPr/>
-        <p:nvPr/>
-      </p:nvGrpSpPr>
-      <p:grpSpPr/>
-      <p:sp>
-        <p:nvSpPr>
-          <p:cNvPr id="5" name="文本框 4"/>
-          <p:cNvSpPr txBox="1"/>
-          <p:nvPr/>
-        </p:nvSpPr>
-        <p:spPr>
-          <a:xfrm>
-            <a:off x="245110" y="182880"/>
-            <a:ext cx="5077460" cy="521970"/>
-          </a:xfrm>
-          <a:prstGeom prst="rect">
-            <a:avLst/>
-          </a:prstGeom>
-          <a:noFill/>
-        </p:spPr>
-        <p:txBody>
-          <a:bodyPr wrap="square" rtlCol="0">
-            <a:spAutoFit/>
-          </a:bodyPr>
-          <a:p>
-            <a:r>
-              <a:rPr lang="en-US" altLang="zh-CN" sz="2800">
-                <a:latin typeface="苹方-简" panose="020B0400000000000000" charset="-122"/>
-                <a:ea typeface="苹方-简" panose="020B0400000000000000" charset="-122"/>
-              </a:rPr>
-              <a:t>Bucket</a:t>
-            </a:r>
-            <a:r>
-              <a:rPr lang="zh-CN" altLang="en-US" sz="2800">
-                <a:latin typeface="苹方-简" panose="020B0400000000000000" charset="-122"/>
-                <a:ea typeface="苹方-简" panose="020B0400000000000000" charset="-122"/>
-              </a:rPr>
-              <a:t>创建过程：</a:t>
-            </a:r>
-            <a:endParaRPr lang="zh-CN" altLang="en-US" sz="2800">
-              <a:latin typeface="苹方-简" panose="020B0400000000000000" charset="-122"/>
-              <a:ea typeface="苹方-简" panose="020B0400000000000000" charset="-122"/>
-            </a:endParaRPr>
-          </a:p>
-        </p:txBody>
-      </p:sp>
-      <p:sp>
-        <p:nvSpPr>
-          <p:cNvPr id="4" name="文本框 3"/>
-          <p:cNvSpPr txBox="1"/>
-          <p:nvPr/>
-        </p:nvSpPr>
-        <p:spPr>
-          <a:xfrm>
-            <a:off x="245110" y="994410"/>
-            <a:ext cx="11565255" cy="2030095"/>
-          </a:xfrm>
-          <a:prstGeom prst="rect">
-            <a:avLst/>
-          </a:prstGeom>
-          <a:noFill/>
-        </p:spPr>
-        <p:txBody>
-          <a:bodyPr wrap="square" rtlCol="0">
-            <a:spAutoFit/>
-          </a:bodyPr>
-          <a:p>
-            <a:pPr marL="342900" indent="-342900">
-              <a:buFont typeface="Arial" panose="020B0604020202090204" pitchFamily="34" charset="0"/>
-              <a:buAutoNum type="arabicPeriod"/>
-            </a:pPr>
-            <a:r>
-              <a:rPr lang="zh-CN" altLang="en-US">
-                <a:latin typeface="苹方-简" panose="020B0400000000000000" charset="-122"/>
-                <a:ea typeface="苹方-简" panose="020B0400000000000000" charset="-122"/>
-              </a:rPr>
-              <a:t>根据Bucket的名字(key)搜索父Bucket，以确定表示Bucket的K/V对的插入位置;</a:t>
-            </a:r>
-            <a:endParaRPr lang="zh-CN" altLang="en-US">
-              <a:latin typeface="苹方-简" panose="020B0400000000000000" charset="-122"/>
-              <a:ea typeface="苹方-简" panose="020B0400000000000000" charset="-122"/>
-            </a:endParaRPr>
-          </a:p>
-          <a:p>
-            <a:pPr marL="342900" indent="-342900">
-              <a:buFont typeface="Arial" panose="020B0604020202090204" pitchFamily="34" charset="0"/>
-              <a:buAutoNum type="arabicPeriod"/>
-            </a:pPr>
-            <a:r>
-              <a:rPr lang="zh-CN" altLang="en-US">
-                <a:latin typeface="苹方-简" panose="020B0400000000000000" charset="-122"/>
-                <a:ea typeface="苹方-简" panose="020B0400000000000000" charset="-122"/>
-              </a:rPr>
-              <a:t>创建空的内置Bucket，并将它序列化成byte slice，以作为Bucket的Value;</a:t>
-            </a:r>
-            <a:endParaRPr lang="zh-CN" altLang="en-US">
-              <a:latin typeface="苹方-简" panose="020B0400000000000000" charset="-122"/>
-              <a:ea typeface="苹方-简" panose="020B0400000000000000" charset="-122"/>
-            </a:endParaRPr>
-          </a:p>
-          <a:p>
-            <a:pPr marL="342900" indent="-342900">
-              <a:buFont typeface="Arial" panose="020B0604020202090204" pitchFamily="34" charset="0"/>
-              <a:buAutoNum type="arabicPeriod"/>
-            </a:pPr>
-            <a:r>
-              <a:rPr lang="zh-CN" altLang="en-US">
-                <a:latin typeface="苹方-简" panose="020B0400000000000000" charset="-122"/>
-                <a:ea typeface="苹方-简" panose="020B0400000000000000" charset="-122"/>
-              </a:rPr>
-              <a:t>将表示Bucket的K/V对(即inode的flags为bucketLeafFlag(0x01))写入父Bucket的叶子节点;</a:t>
-            </a:r>
-            <a:endParaRPr lang="zh-CN" altLang="en-US">
-              <a:latin typeface="苹方-简" panose="020B0400000000000000" charset="-122"/>
-              <a:ea typeface="苹方-简" panose="020B0400000000000000" charset="-122"/>
-            </a:endParaRPr>
-          </a:p>
-          <a:p>
-            <a:pPr marL="342900" indent="-342900">
-              <a:buFont typeface="Arial" panose="020B0604020202090204" pitchFamily="34" charset="0"/>
-              <a:buAutoNum type="arabicPeriod"/>
-            </a:pPr>
-            <a:r>
-              <a:rPr lang="zh-CN" altLang="en-US">
-                <a:latin typeface="苹方-简" panose="020B0400000000000000" charset="-122"/>
-                <a:ea typeface="苹方-简" panose="020B0400000000000000" charset="-122"/>
-              </a:rPr>
-              <a:t>通过Bucket的Bucket(name []byte)在父Bucket中查找刚刚创建的子Bucket，在了解了Bucket通过Cursor进行查找和遍历的过程后，读者可以尝试自行分析这一过程，我们在后续文中还会介绍Bucket的Get()方法，与此类似。</a:t>
-            </a:r>
-            <a:endParaRPr lang="zh-CN" altLang="en-US">
-              <a:latin typeface="苹方-简" panose="020B0400000000000000" charset="-122"/>
-              <a:ea typeface="苹方-简" panose="020B0400000000000000" charset="-122"/>
-            </a:endParaRPr>
-          </a:p>
-          <a:p>
-            <a:pPr marL="285750" indent="-285750">
-              <a:buFont typeface="Arial" panose="020B0604020202090204" pitchFamily="34" charset="0"/>
-              <a:buChar char="•"/>
-            </a:pPr>
-            <a:endParaRPr lang="zh-CN" altLang="en-US">
-              <a:latin typeface="苹方-简" panose="020B0400000000000000" charset="-122"/>
-              <a:ea typeface="苹方-简" panose="020B0400000000000000" charset="-122"/>
-            </a:endParaRPr>
-          </a:p>
-        </p:txBody>
-      </p:sp>
-    </p:spTree>
-  </p:cSld>
-  <p:clrMapOvr>
-    <a:masterClrMapping/>
-  </p:clrMapOvr>
-</p:sld>
-</file>
-
 <file path=ppt/tags/tag1.xml><?xml version="1.0" encoding="utf-8"?>
 <p:tagLst xmlns:p="http://schemas.openxmlformats.org/presentationml/2006/main">
   <p:tag name="KSO_WM_SLIDE_MODEL_TYPE" val="cover"/>
